--- a/classes/stats2017/Lecture22.pptx
+++ b/classes/stats2017/Lecture22.pptx
@@ -5,33 +5,35 @@
     <p:sldMasterId id="2147483648" r:id="rId1"/>
   </p:sldMasterIdLst>
   <p:notesMasterIdLst>
-    <p:notesMasterId r:id="rId26"/>
+    <p:notesMasterId r:id="rId28"/>
   </p:notesMasterIdLst>
   <p:sldIdLst>
     <p:sldId id="256" r:id="rId2"/>
-    <p:sldId id="423" r:id="rId3"/>
-    <p:sldId id="409" r:id="rId4"/>
-    <p:sldId id="425" r:id="rId5"/>
-    <p:sldId id="410" r:id="rId6"/>
-    <p:sldId id="375" r:id="rId7"/>
-    <p:sldId id="411" r:id="rId8"/>
-    <p:sldId id="412" r:id="rId9"/>
-    <p:sldId id="429" r:id="rId10"/>
-    <p:sldId id="430" r:id="rId11"/>
-    <p:sldId id="413" r:id="rId12"/>
-    <p:sldId id="377" r:id="rId13"/>
-    <p:sldId id="414" r:id="rId14"/>
-    <p:sldId id="431" r:id="rId15"/>
-    <p:sldId id="432" r:id="rId16"/>
-    <p:sldId id="433" r:id="rId17"/>
-    <p:sldId id="427" r:id="rId18"/>
-    <p:sldId id="416" r:id="rId19"/>
-    <p:sldId id="417" r:id="rId20"/>
-    <p:sldId id="380" r:id="rId21"/>
-    <p:sldId id="418" r:id="rId22"/>
-    <p:sldId id="419" r:id="rId23"/>
-    <p:sldId id="420" r:id="rId24"/>
-    <p:sldId id="422" r:id="rId25"/>
+    <p:sldId id="434" r:id="rId3"/>
+    <p:sldId id="435" r:id="rId4"/>
+    <p:sldId id="423" r:id="rId5"/>
+    <p:sldId id="409" r:id="rId6"/>
+    <p:sldId id="425" r:id="rId7"/>
+    <p:sldId id="410" r:id="rId8"/>
+    <p:sldId id="375" r:id="rId9"/>
+    <p:sldId id="411" r:id="rId10"/>
+    <p:sldId id="412" r:id="rId11"/>
+    <p:sldId id="429" r:id="rId12"/>
+    <p:sldId id="430" r:id="rId13"/>
+    <p:sldId id="413" r:id="rId14"/>
+    <p:sldId id="377" r:id="rId15"/>
+    <p:sldId id="414" r:id="rId16"/>
+    <p:sldId id="431" r:id="rId17"/>
+    <p:sldId id="432" r:id="rId18"/>
+    <p:sldId id="433" r:id="rId19"/>
+    <p:sldId id="427" r:id="rId20"/>
+    <p:sldId id="416" r:id="rId21"/>
+    <p:sldId id="417" r:id="rId22"/>
+    <p:sldId id="380" r:id="rId23"/>
+    <p:sldId id="418" r:id="rId24"/>
+    <p:sldId id="419" r:id="rId25"/>
+    <p:sldId id="420" r:id="rId26"/>
+    <p:sldId id="422" r:id="rId27"/>
   </p:sldIdLst>
   <p:sldSz cx="9144000" cy="6858000" type="screen4x3"/>
   <p:notesSz cx="6858000" cy="9144000"/>
@@ -232,7 +234,7 @@
             <a:fld id="{3228B491-9E98-4351-BD22-801796136277}" type="datetimeFigureOut">
               <a:rPr lang="en-US" smtClean="0"/>
               <a:pPr/>
-              <a:t>4/4/2017</a:t>
+              <a:t>4/9/2017</a:t>
             </a:fld>
             <a:endParaRPr lang="en-US"/>
           </a:p>
@@ -677,7 +679,7 @@
             <a:fld id="{1D8BD707-D9CF-40AE-B4C6-C98DA3205C09}" type="datetimeFigureOut">
               <a:rPr lang="en-US" smtClean="0"/>
               <a:pPr/>
-              <a:t>4/4/2017</a:t>
+              <a:t>4/9/2017</a:t>
             </a:fld>
             <a:endParaRPr lang="en-US"/>
           </a:p>
@@ -842,7 +844,7 @@
             <a:fld id="{1D8BD707-D9CF-40AE-B4C6-C98DA3205C09}" type="datetimeFigureOut">
               <a:rPr lang="en-US" smtClean="0"/>
               <a:pPr/>
-              <a:t>4/4/2017</a:t>
+              <a:t>4/9/2017</a:t>
             </a:fld>
             <a:endParaRPr lang="en-US"/>
           </a:p>
@@ -1017,7 +1019,7 @@
             <a:fld id="{1D8BD707-D9CF-40AE-B4C6-C98DA3205C09}" type="datetimeFigureOut">
               <a:rPr lang="en-US" smtClean="0"/>
               <a:pPr/>
-              <a:t>4/4/2017</a:t>
+              <a:t>4/9/2017</a:t>
             </a:fld>
             <a:endParaRPr lang="en-US"/>
           </a:p>
@@ -1182,7 +1184,7 @@
             <a:fld id="{1D8BD707-D9CF-40AE-B4C6-C98DA3205C09}" type="datetimeFigureOut">
               <a:rPr lang="en-US" smtClean="0"/>
               <a:pPr/>
-              <a:t>4/4/2017</a:t>
+              <a:t>4/9/2017</a:t>
             </a:fld>
             <a:endParaRPr lang="en-US"/>
           </a:p>
@@ -1424,7 +1426,7 @@
             <a:fld id="{1D8BD707-D9CF-40AE-B4C6-C98DA3205C09}" type="datetimeFigureOut">
               <a:rPr lang="en-US" smtClean="0"/>
               <a:pPr/>
-              <a:t>4/4/2017</a:t>
+              <a:t>4/9/2017</a:t>
             </a:fld>
             <a:endParaRPr lang="en-US"/>
           </a:p>
@@ -1706,7 +1708,7 @@
             <a:fld id="{1D8BD707-D9CF-40AE-B4C6-C98DA3205C09}" type="datetimeFigureOut">
               <a:rPr lang="en-US" smtClean="0"/>
               <a:pPr/>
-              <a:t>4/4/2017</a:t>
+              <a:t>4/9/2017</a:t>
             </a:fld>
             <a:endParaRPr lang="en-US"/>
           </a:p>
@@ -2122,7 +2124,7 @@
             <a:fld id="{1D8BD707-D9CF-40AE-B4C6-C98DA3205C09}" type="datetimeFigureOut">
               <a:rPr lang="en-US" smtClean="0"/>
               <a:pPr/>
-              <a:t>4/4/2017</a:t>
+              <a:t>4/9/2017</a:t>
             </a:fld>
             <a:endParaRPr lang="en-US"/>
           </a:p>
@@ -2236,7 +2238,7 @@
             <a:fld id="{1D8BD707-D9CF-40AE-B4C6-C98DA3205C09}" type="datetimeFigureOut">
               <a:rPr lang="en-US" smtClean="0"/>
               <a:pPr/>
-              <a:t>4/4/2017</a:t>
+              <a:t>4/9/2017</a:t>
             </a:fld>
             <a:endParaRPr lang="en-US"/>
           </a:p>
@@ -2328,7 +2330,7 @@
             <a:fld id="{1D8BD707-D9CF-40AE-B4C6-C98DA3205C09}" type="datetimeFigureOut">
               <a:rPr lang="en-US" smtClean="0"/>
               <a:pPr/>
-              <a:t>4/4/2017</a:t>
+              <a:t>4/9/2017</a:t>
             </a:fld>
             <a:endParaRPr lang="en-US"/>
           </a:p>
@@ -2600,7 +2602,7 @@
             <a:fld id="{1D8BD707-D9CF-40AE-B4C6-C98DA3205C09}" type="datetimeFigureOut">
               <a:rPr lang="en-US" smtClean="0"/>
               <a:pPr/>
-              <a:t>4/4/2017</a:t>
+              <a:t>4/9/2017</a:t>
             </a:fld>
             <a:endParaRPr lang="en-US"/>
           </a:p>
@@ -2849,7 +2851,7 @@
             <a:fld id="{1D8BD707-D9CF-40AE-B4C6-C98DA3205C09}" type="datetimeFigureOut">
               <a:rPr lang="en-US" smtClean="0"/>
               <a:pPr/>
-              <a:t>4/4/2017</a:t>
+              <a:t>4/9/2017</a:t>
             </a:fld>
             <a:endParaRPr lang="en-US"/>
           </a:p>
@@ -3057,7 +3059,7 @@
             <a:fld id="{1D8BD707-D9CF-40AE-B4C6-C98DA3205C09}" type="datetimeFigureOut">
               <a:rPr lang="en-US" smtClean="0"/>
               <a:pPr/>
-              <a:t>4/4/2017</a:t>
+              <a:t>4/9/2017</a:t>
             </a:fld>
             <a:endParaRPr lang="en-US"/>
           </a:p>
@@ -3486,14 +3488,14 @@
       </p:grpSpPr>
       <p:sp>
         <p:nvSpPr>
-          <p:cNvPr id="2" name="TextBox 1"/>
+          <p:cNvPr id="3" name="TextBox 2"/>
           <p:cNvSpPr txBox="1"/>
           <p:nvPr/>
         </p:nvSpPr>
         <p:spPr>
           <a:xfrm>
-            <a:off x="304800" y="11668"/>
-            <a:ext cx="4917115" cy="369332"/>
+            <a:off x="304800" y="81677"/>
+            <a:ext cx="7467600" cy="369332"/>
           </a:xfrm>
           <a:prstGeom prst="rect">
             <a:avLst/>
@@ -3501,76 +3503,160 @@
           <a:noFill/>
         </p:spPr>
         <p:txBody>
-          <a:bodyPr wrap="none" rtlCol="0">
+          <a:bodyPr wrap="square" rtlCol="0">
             <a:spAutoFit/>
           </a:bodyPr>
           <a:lstStyle/>
           <a:p>
             <a:r>
-              <a:rPr lang="en-US" dirty="0"/>
-              <a:t>But when we switch to relative abundance space…</a:t>
+              <a:rPr lang="en-US" dirty="0">
+                <a:solidFill>
+                  <a:srgbClr val="FF0000"/>
+                </a:solidFill>
+                <a:latin typeface="Arial" pitchFamily="34" charset="0"/>
+                <a:cs typeface="Arial" pitchFamily="34" charset="0"/>
+              </a:rPr>
+              <a:t>Compositionality can introduce subtle artifacts into our dataset</a:t>
             </a:r>
           </a:p>
         </p:txBody>
       </p:sp>
       <p:pic>
         <p:nvPicPr>
-          <p:cNvPr id="3" name="Picture 2"/>
+          <p:cNvPr id="4098" name="Picture 2"/>
           <p:cNvPicPr>
-            <a:picLocks noChangeAspect="1"/>
+            <a:picLocks noChangeAspect="1" noChangeArrowheads="1"/>
           </p:cNvPicPr>
           <p:nvPr/>
         </p:nvPicPr>
         <p:blipFill>
-          <a:blip r:embed="rId2"/>
+          <a:blip r:embed="rId2" cstate="print"/>
+          <a:srcRect/>
           <a:stretch>
             <a:fillRect/>
           </a:stretch>
         </p:blipFill>
-        <p:spPr>
-          <a:xfrm>
-            <a:off x="228599" y="533400"/>
-            <a:ext cx="5681749" cy="5029200"/>
-          </a:xfrm>
-          <a:prstGeom prst="rect">
-            <a:avLst/>
-          </a:prstGeom>
+        <p:spPr bwMode="auto">
+          <a:xfrm>
+            <a:off x="2438400" y="609600"/>
+            <a:ext cx="2945642" cy="762000"/>
+          </a:xfrm>
+          <a:prstGeom prst="rect">
+            <a:avLst/>
+          </a:prstGeom>
+          <a:noFill/>
+          <a:ln w="9525">
+            <a:noFill/>
+            <a:miter lim="800000"/>
+            <a:headEnd/>
+            <a:tailEnd/>
+          </a:ln>
         </p:spPr>
       </p:pic>
+      <p:cxnSp>
+        <p:nvCxnSpPr>
+          <p:cNvPr id="12" name="Straight Arrow Connector 11"/>
+          <p:cNvCxnSpPr/>
+          <p:nvPr/>
+        </p:nvCxnSpPr>
+        <p:spPr>
+          <a:xfrm>
+            <a:off x="3733800" y="1447800"/>
+            <a:ext cx="0" cy="457200"/>
+          </a:xfrm>
+          <a:prstGeom prst="straightConnector1">
+            <a:avLst/>
+          </a:prstGeom>
+          <a:ln>
+            <a:tailEnd type="arrow"/>
+          </a:ln>
+        </p:spPr>
+        <p:style>
+          <a:lnRef idx="1">
+            <a:schemeClr val="accent1"/>
+          </a:lnRef>
+          <a:fillRef idx="0">
+            <a:schemeClr val="accent1"/>
+          </a:fillRef>
+          <a:effectRef idx="0">
+            <a:schemeClr val="accent1"/>
+          </a:effectRef>
+          <a:fontRef idx="minor">
+            <a:schemeClr val="tx1"/>
+          </a:fontRef>
+        </p:style>
+      </p:cxnSp>
+      <p:sp>
+        <p:nvSpPr>
+          <p:cNvPr id="13" name="TextBox 12"/>
+          <p:cNvSpPr txBox="1"/>
+          <p:nvPr/>
+        </p:nvSpPr>
+        <p:spPr>
+          <a:xfrm>
+            <a:off x="3733800" y="1447800"/>
+            <a:ext cx="2026132" cy="369332"/>
+          </a:xfrm>
+          <a:prstGeom prst="rect">
+            <a:avLst/>
+          </a:prstGeom>
+          <a:noFill/>
+        </p:spPr>
+        <p:txBody>
+          <a:bodyPr wrap="none" rtlCol="0">
+            <a:spAutoFit/>
+          </a:bodyPr>
+          <a:lstStyle/>
+          <a:p>
+            <a:r>
+              <a:rPr lang="en-US" dirty="0"/>
+              <a:t>Relative abundance</a:t>
+            </a:r>
+          </a:p>
+        </p:txBody>
+      </p:sp>
       <p:pic>
         <p:nvPicPr>
-          <p:cNvPr id="4" name="Picture 3"/>
+          <p:cNvPr id="4099" name="Picture 3"/>
           <p:cNvPicPr>
-            <a:picLocks noChangeAspect="1"/>
+            <a:picLocks noChangeAspect="1" noChangeArrowheads="1"/>
           </p:cNvPicPr>
           <p:nvPr/>
         </p:nvPicPr>
         <p:blipFill>
-          <a:blip r:embed="rId3"/>
+          <a:blip r:embed="rId3" cstate="print"/>
+          <a:srcRect/>
           <a:stretch>
             <a:fillRect/>
           </a:stretch>
         </p:blipFill>
-        <p:spPr>
-          <a:xfrm>
-            <a:off x="4800600" y="838200"/>
-            <a:ext cx="3821339" cy="3571433"/>
-          </a:xfrm>
-          <a:prstGeom prst="rect">
-            <a:avLst/>
-          </a:prstGeom>
+        <p:spPr bwMode="auto">
+          <a:xfrm>
+            <a:off x="2264465" y="1981200"/>
+            <a:ext cx="3374335" cy="1066800"/>
+          </a:xfrm>
+          <a:prstGeom prst="rect">
+            <a:avLst/>
+          </a:prstGeom>
+          <a:noFill/>
+          <a:ln w="9525">
+            <a:noFill/>
+            <a:miter lim="800000"/>
+            <a:headEnd/>
+            <a:tailEnd/>
+          </a:ln>
         </p:spPr>
       </p:pic>
       <p:sp>
         <p:nvSpPr>
-          <p:cNvPr id="5" name="TextBox 4"/>
+          <p:cNvPr id="15" name="TextBox 14"/>
           <p:cNvSpPr txBox="1"/>
           <p:nvPr/>
         </p:nvSpPr>
         <p:spPr>
           <a:xfrm>
-            <a:off x="457200" y="5791200"/>
-            <a:ext cx="8380949" cy="646331"/>
+            <a:off x="685800" y="3088481"/>
+            <a:ext cx="7481600" cy="3693319"/>
           </a:xfrm>
           <a:prstGeom prst="rect">
             <a:avLst/>
@@ -3584,52 +3670,143 @@
           <a:lstStyle/>
           <a:p>
             <a:r>
-              <a:rPr lang="en-US" dirty="0"/>
-              <a:t>This looks to be a perfect correlation, but the observed correlation is entirely artefactual</a:t>
-            </a:r>
-          </a:p>
-          <a:p>
-            <a:r>
-              <a:rPr lang="en-US" dirty="0"/>
-              <a:t>induced by the normalization procedure…</a:t>
-            </a:r>
-          </a:p>
-        </p:txBody>
-      </p:sp>
-      <p:sp>
-        <p:nvSpPr>
-          <p:cNvPr id="6" name="Rectangle 5"/>
-          <p:cNvSpPr/>
-          <p:nvPr/>
-        </p:nvSpPr>
-        <p:spPr>
-          <a:xfrm>
-            <a:off x="381000" y="6489412"/>
-            <a:ext cx="10896600" cy="292388"/>
-          </a:xfrm>
-          <a:prstGeom prst="rect">
-            <a:avLst/>
-          </a:prstGeom>
-        </p:spPr>
-        <p:txBody>
-          <a:bodyPr wrap="square">
-            <a:spAutoFit/>
-          </a:bodyPr>
-          <a:lstStyle/>
-          <a:p>
-            <a:r>
-              <a:rPr lang="en-US" sz="1300" dirty="0"/>
-              <a:t>https://github.com/afodor/metagenomicsTools/blob/master/src/compositionality/compositionality.txt</a:t>
+              <a:rPr lang="en-US" dirty="0">
+                <a:latin typeface="Arial" pitchFamily="34" charset="0"/>
+                <a:cs typeface="Arial" pitchFamily="34" charset="0"/>
+              </a:rPr>
+              <a:t>Problems include:</a:t>
+            </a:r>
+          </a:p>
+          <a:p>
+            <a:r>
+              <a:rPr lang="en-US" dirty="0">
+                <a:latin typeface="Arial" pitchFamily="34" charset="0"/>
+                <a:cs typeface="Arial" pitchFamily="34" charset="0"/>
+              </a:rPr>
+              <a:t>	Inference may report a change in A and B even though</a:t>
+            </a:r>
+          </a:p>
+          <a:p>
+            <a:r>
+              <a:rPr lang="en-US" dirty="0">
+                <a:latin typeface="Arial" pitchFamily="34" charset="0"/>
+                <a:cs typeface="Arial" pitchFamily="34" charset="0"/>
+              </a:rPr>
+              <a:t>	biologically A and B have not changed.</a:t>
+            </a:r>
+          </a:p>
+          <a:p>
+            <a:endParaRPr lang="en-US" dirty="0">
+              <a:latin typeface="Arial" pitchFamily="34" charset="0"/>
+              <a:cs typeface="Arial" pitchFamily="34" charset="0"/>
+            </a:endParaRPr>
+          </a:p>
+          <a:p>
+            <a:r>
+              <a:rPr lang="en-US" dirty="0">
+                <a:latin typeface="Arial" pitchFamily="34" charset="0"/>
+                <a:cs typeface="Arial" pitchFamily="34" charset="0"/>
+              </a:rPr>
+              <a:t>	The estimate of A and B is dependent on C.  If C is </a:t>
+            </a:r>
+          </a:p>
+          <a:p>
+            <a:r>
+              <a:rPr lang="en-US" dirty="0">
+                <a:latin typeface="Arial" pitchFamily="34" charset="0"/>
+                <a:cs typeface="Arial" pitchFamily="34" charset="0"/>
+              </a:rPr>
+              <a:t>	contaminant (or </a:t>
+            </a:r>
+            <a:r>
+              <a:rPr lang="en-US" dirty="0" err="1">
+                <a:latin typeface="Arial" pitchFamily="34" charset="0"/>
+                <a:cs typeface="Arial" pitchFamily="34" charset="0"/>
+              </a:rPr>
+              <a:t>rRNA</a:t>
+            </a:r>
+            <a:r>
+              <a:rPr lang="en-US" dirty="0">
+                <a:latin typeface="Arial" pitchFamily="34" charset="0"/>
+                <a:cs typeface="Arial" pitchFamily="34" charset="0"/>
+              </a:rPr>
+              <a:t> in a RNA-</a:t>
+            </a:r>
+            <a:r>
+              <a:rPr lang="en-US" dirty="0" err="1">
+                <a:latin typeface="Arial" pitchFamily="34" charset="0"/>
+                <a:cs typeface="Arial" pitchFamily="34" charset="0"/>
+              </a:rPr>
+              <a:t>seq</a:t>
+            </a:r>
+            <a:r>
+              <a:rPr lang="en-US" dirty="0">
+                <a:latin typeface="Arial" pitchFamily="34" charset="0"/>
+                <a:cs typeface="Arial" pitchFamily="34" charset="0"/>
+              </a:rPr>
+              <a:t> experiment), the values of</a:t>
+            </a:r>
+          </a:p>
+          <a:p>
+            <a:r>
+              <a:rPr lang="en-US" dirty="0">
+                <a:latin typeface="Arial" pitchFamily="34" charset="0"/>
+                <a:cs typeface="Arial" pitchFamily="34" charset="0"/>
+              </a:rPr>
+              <a:t>	A and B might not be appropriate.</a:t>
+            </a:r>
+          </a:p>
+          <a:p>
+            <a:endParaRPr lang="en-US" dirty="0">
+              <a:latin typeface="Arial" pitchFamily="34" charset="0"/>
+              <a:cs typeface="Arial" pitchFamily="34" charset="0"/>
+            </a:endParaRPr>
+          </a:p>
+          <a:p>
+            <a:r>
+              <a:rPr lang="en-US" dirty="0">
+                <a:latin typeface="Arial" pitchFamily="34" charset="0"/>
+                <a:cs typeface="Arial" pitchFamily="34" charset="0"/>
+              </a:rPr>
+              <a:t>	A and B will appear correlated, but this is a statistical artifact.</a:t>
+            </a:r>
+          </a:p>
+          <a:p>
+            <a:endParaRPr lang="en-US" dirty="0">
+              <a:latin typeface="Arial" pitchFamily="34" charset="0"/>
+              <a:cs typeface="Arial" pitchFamily="34" charset="0"/>
+            </a:endParaRPr>
+          </a:p>
+          <a:p>
+            <a:r>
+              <a:rPr lang="en-US" dirty="0">
+                <a:latin typeface="Arial" pitchFamily="34" charset="0"/>
+                <a:cs typeface="Arial" pitchFamily="34" charset="0"/>
+              </a:rPr>
+              <a:t>	</a:t>
+            </a:r>
+          </a:p>
+          <a:p>
+            <a:r>
+              <a:rPr lang="en-US" dirty="0">
+                <a:latin typeface="Arial" pitchFamily="34" charset="0"/>
+                <a:cs typeface="Arial" pitchFamily="34" charset="0"/>
+              </a:rPr>
+              <a:t>	</a:t>
+            </a:r>
+          </a:p>
+          <a:p>
+            <a:r>
+              <a:rPr lang="en-US" dirty="0">
+                <a:latin typeface="Arial" pitchFamily="34" charset="0"/>
+                <a:cs typeface="Arial" pitchFamily="34" charset="0"/>
+              </a:rPr>
+              <a:t>	</a:t>
             </a:r>
           </a:p>
         </p:txBody>
       </p:sp>
     </p:spTree>
-    <p:extLst>
-      <p:ext uri="{BB962C8B-B14F-4D97-AF65-F5344CB8AC3E}">
-        <p14:creationId xmlns:p14="http://schemas.microsoft.com/office/powerpoint/2010/main" val="1198492860"/>
-      </p:ext>
-    </p:extLst>
   </p:cSld>
   <p:clrMapOvr>
     <a:masterClrMapping/>
@@ -3662,8 +3839,8 @@
         </p:nvSpPr>
         <p:spPr>
           <a:xfrm>
-            <a:off x="381000" y="304800"/>
-            <a:ext cx="6699270" cy="369332"/>
+            <a:off x="304800" y="11668"/>
+            <a:ext cx="3125023" cy="369332"/>
           </a:xfrm>
           <a:prstGeom prst="rect">
             <a:avLst/>
@@ -3677,83 +3854,156 @@
           <a:lstStyle/>
           <a:p>
             <a:r>
-              <a:rPr lang="en-US" dirty="0">
-                <a:solidFill>
-                  <a:srgbClr val="FF0000"/>
-                </a:solidFill>
-                <a:latin typeface="Arial" pitchFamily="34" charset="0"/>
-                <a:cs typeface="Arial" pitchFamily="34" charset="0"/>
-              </a:rPr>
-              <a:t>The correlation issue has been considered by multiple groups…</a:t>
+              <a:rPr lang="en-US" dirty="0"/>
+              <a:t>Consider a simulated data set…</a:t>
             </a:r>
           </a:p>
         </p:txBody>
       </p:sp>
       <p:pic>
         <p:nvPicPr>
-          <p:cNvPr id="103426" name="Picture 2"/>
+          <p:cNvPr id="3" name="Picture 2"/>
           <p:cNvPicPr>
-            <a:picLocks noChangeAspect="1" noChangeArrowheads="1"/>
+            <a:picLocks noChangeAspect="1"/>
           </p:cNvPicPr>
           <p:nvPr/>
         </p:nvPicPr>
         <p:blipFill>
-          <a:blip r:embed="rId2" cstate="print"/>
-          <a:srcRect/>
+          <a:blip r:embed="rId2"/>
           <a:stretch>
             <a:fillRect/>
           </a:stretch>
         </p:blipFill>
-        <p:spPr bwMode="auto">
-          <a:xfrm>
-            <a:off x="381000" y="1066800"/>
-            <a:ext cx="8152918" cy="1752600"/>
+        <p:spPr>
+          <a:xfrm>
+            <a:off x="228600" y="762000"/>
+            <a:ext cx="5329625" cy="4419600"/>
+          </a:xfrm>
+          <a:prstGeom prst="rect">
+            <a:avLst/>
+          </a:prstGeom>
+        </p:spPr>
+      </p:pic>
+      <p:cxnSp>
+        <p:nvCxnSpPr>
+          <p:cNvPr id="5" name="Straight Arrow Connector 4"/>
+          <p:cNvCxnSpPr/>
+          <p:nvPr/>
+        </p:nvCxnSpPr>
+        <p:spPr>
+          <a:xfrm flipH="1">
+            <a:off x="2133600" y="2133600"/>
+            <a:ext cx="1447800" cy="0"/>
+          </a:xfrm>
+          <a:prstGeom prst="straightConnector1">
+            <a:avLst/>
+          </a:prstGeom>
+          <a:ln>
+            <a:tailEnd type="triangle"/>
+          </a:ln>
+        </p:spPr>
+        <p:style>
+          <a:lnRef idx="1">
+            <a:schemeClr val="accent1"/>
+          </a:lnRef>
+          <a:fillRef idx="0">
+            <a:schemeClr val="accent1"/>
+          </a:fillRef>
+          <a:effectRef idx="0">
+            <a:schemeClr val="accent1"/>
+          </a:effectRef>
+          <a:fontRef idx="minor">
+            <a:schemeClr val="tx1"/>
+          </a:fontRef>
+        </p:style>
+      </p:cxnSp>
+      <p:sp>
+        <p:nvSpPr>
+          <p:cNvPr id="6" name="TextBox 5"/>
+          <p:cNvSpPr txBox="1"/>
+          <p:nvPr/>
+        </p:nvSpPr>
+        <p:spPr>
+          <a:xfrm>
+            <a:off x="3572588" y="1981200"/>
+            <a:ext cx="3209212" cy="369332"/>
           </a:xfrm>
           <a:prstGeom prst="rect">
             <a:avLst/>
           </a:prstGeom>
           <a:noFill/>
-          <a:ln w="9525">
-            <a:noFill/>
-            <a:miter lim="800000"/>
-            <a:headEnd/>
-            <a:tailEnd/>
-          </a:ln>
-        </p:spPr>
-      </p:pic>
+        </p:spPr>
+        <p:txBody>
+          <a:bodyPr wrap="none" rtlCol="0">
+            <a:spAutoFit/>
+          </a:bodyPr>
+          <a:lstStyle/>
+          <a:p>
+            <a:r>
+              <a:rPr lang="en-US" dirty="0"/>
+              <a:t>Clearly A and B are independent</a:t>
+            </a:r>
+          </a:p>
+        </p:txBody>
+      </p:sp>
       <p:pic>
         <p:nvPicPr>
-          <p:cNvPr id="103427" name="Picture 3"/>
+          <p:cNvPr id="7" name="Picture 6"/>
           <p:cNvPicPr>
-            <a:picLocks noChangeAspect="1" noChangeArrowheads="1"/>
+            <a:picLocks noChangeAspect="1"/>
           </p:cNvPicPr>
           <p:nvPr/>
         </p:nvPicPr>
         <p:blipFill>
-          <a:blip r:embed="rId3" cstate="print"/>
-          <a:srcRect/>
+          <a:blip r:embed="rId3"/>
           <a:stretch>
             <a:fillRect/>
           </a:stretch>
         </p:blipFill>
-        <p:spPr bwMode="auto">
-          <a:xfrm>
-            <a:off x="304800" y="3048000"/>
-            <a:ext cx="8534400" cy="838200"/>
-          </a:xfrm>
-          <a:prstGeom prst="rect">
-            <a:avLst/>
-          </a:prstGeom>
-          <a:noFill/>
-          <a:ln w="9525">
-            <a:noFill/>
-            <a:miter lim="800000"/>
-            <a:headEnd/>
-            <a:tailEnd/>
-          </a:ln>
+        <p:spPr>
+          <a:xfrm>
+            <a:off x="5334000" y="2667000"/>
+            <a:ext cx="3398729" cy="3083354"/>
+          </a:xfrm>
+          <a:prstGeom prst="rect">
+            <a:avLst/>
+          </a:prstGeom>
         </p:spPr>
       </p:pic>
+      <p:sp>
+        <p:nvSpPr>
+          <p:cNvPr id="8" name="Rectangle 7"/>
+          <p:cNvSpPr/>
+          <p:nvPr/>
+        </p:nvSpPr>
+        <p:spPr>
+          <a:xfrm>
+            <a:off x="381000" y="6260812"/>
+            <a:ext cx="10896600" cy="292388"/>
+          </a:xfrm>
+          <a:prstGeom prst="rect">
+            <a:avLst/>
+          </a:prstGeom>
+        </p:spPr>
+        <p:txBody>
+          <a:bodyPr wrap="square">
+            <a:spAutoFit/>
+          </a:bodyPr>
+          <a:lstStyle/>
+          <a:p>
+            <a:r>
+              <a:rPr lang="en-US" sz="1300" dirty="0"/>
+              <a:t>https://github.com/afodor/metagenomicsTools/blob/master/src/compositionality/compositionality.txt</a:t>
+            </a:r>
+          </a:p>
+        </p:txBody>
+      </p:sp>
     </p:spTree>
+    <p:extLst>
+      <p:ext uri="{BB962C8B-B14F-4D97-AF65-F5344CB8AC3E}">
+        <p14:creationId xmlns:p14="http://schemas.microsoft.com/office/powerpoint/2010/main" val="901354799"/>
+      </p:ext>
+    </p:extLst>
   </p:cSld>
   <p:clrMapOvr>
     <a:masterClrMapping/>
@@ -3786,8 +4036,8 @@
         </p:nvSpPr>
         <p:spPr>
           <a:xfrm>
-            <a:off x="228600" y="118646"/>
-            <a:ext cx="11353800" cy="338554"/>
+            <a:off x="304800" y="11668"/>
+            <a:ext cx="4917115" cy="369332"/>
           </a:xfrm>
           <a:prstGeom prst="rect">
             <a:avLst/>
@@ -3795,109 +4045,135 @@
           <a:noFill/>
         </p:spPr>
         <p:txBody>
-          <a:bodyPr wrap="square" rtlCol="0">
+          <a:bodyPr wrap="none" rtlCol="0">
             <a:spAutoFit/>
           </a:bodyPr>
           <a:lstStyle/>
           <a:p>
             <a:r>
-              <a:rPr lang="en-US" sz="1600" dirty="0">
-                <a:solidFill>
-                  <a:srgbClr val="FF0000"/>
-                </a:solidFill>
-                <a:latin typeface="Arial" pitchFamily="34" charset="0"/>
-                <a:cs typeface="Arial" pitchFamily="34" charset="0"/>
-              </a:rPr>
-              <a:t>The compositional nature of 16S </a:t>
-            </a:r>
-            <a:r>
-              <a:rPr lang="en-US" sz="1600" dirty="0" err="1">
-                <a:solidFill>
-                  <a:srgbClr val="FF0000"/>
-                </a:solidFill>
-                <a:latin typeface="Arial" pitchFamily="34" charset="0"/>
-                <a:cs typeface="Arial" pitchFamily="34" charset="0"/>
-              </a:rPr>
-              <a:t>rRNA</a:t>
-            </a:r>
-            <a:r>
-              <a:rPr lang="en-US" sz="1600" dirty="0">
-                <a:solidFill>
-                  <a:srgbClr val="FF0000"/>
-                </a:solidFill>
-                <a:latin typeface="Arial" pitchFamily="34" charset="0"/>
-                <a:cs typeface="Arial" pitchFamily="34" charset="0"/>
-              </a:rPr>
-              <a:t> data has led to controversies over analysis pipelines…   </a:t>
+              <a:rPr lang="en-US" dirty="0"/>
+              <a:t>But when we switch to relative abundance space…</a:t>
             </a:r>
           </a:p>
         </p:txBody>
       </p:sp>
       <p:pic>
         <p:nvPicPr>
-          <p:cNvPr id="2050" name="Picture 2"/>
+          <p:cNvPr id="3" name="Picture 2"/>
           <p:cNvPicPr>
-            <a:picLocks noChangeAspect="1" noChangeArrowheads="1"/>
+            <a:picLocks noChangeAspect="1"/>
           </p:cNvPicPr>
           <p:nvPr/>
         </p:nvPicPr>
         <p:blipFill>
-          <a:blip r:embed="rId2" cstate="print"/>
-          <a:srcRect/>
+          <a:blip r:embed="rId2"/>
           <a:stretch>
             <a:fillRect/>
           </a:stretch>
         </p:blipFill>
-        <p:spPr bwMode="auto">
-          <a:xfrm>
-            <a:off x="381000" y="762000"/>
-            <a:ext cx="8001000" cy="2038716"/>
-          </a:xfrm>
-          <a:prstGeom prst="rect">
-            <a:avLst/>
-          </a:prstGeom>
-          <a:noFill/>
-          <a:ln w="9525">
-            <a:noFill/>
-            <a:miter lim="800000"/>
-            <a:headEnd/>
-            <a:tailEnd/>
-          </a:ln>
+        <p:spPr>
+          <a:xfrm>
+            <a:off x="228599" y="533400"/>
+            <a:ext cx="5681749" cy="5029200"/>
+          </a:xfrm>
+          <a:prstGeom prst="rect">
+            <a:avLst/>
+          </a:prstGeom>
         </p:spPr>
       </p:pic>
       <p:pic>
         <p:nvPicPr>
-          <p:cNvPr id="2051" name="Picture 3"/>
+          <p:cNvPr id="4" name="Picture 3"/>
           <p:cNvPicPr>
-            <a:picLocks noChangeAspect="1" noChangeArrowheads="1"/>
+            <a:picLocks noChangeAspect="1"/>
           </p:cNvPicPr>
           <p:nvPr/>
         </p:nvPicPr>
         <p:blipFill>
-          <a:blip r:embed="rId3" cstate="print"/>
-          <a:srcRect/>
+          <a:blip r:embed="rId3"/>
           <a:stretch>
             <a:fillRect/>
           </a:stretch>
         </p:blipFill>
-        <p:spPr bwMode="auto">
-          <a:xfrm>
-            <a:off x="990600" y="3200400"/>
-            <a:ext cx="6934200" cy="3476625"/>
+        <p:spPr>
+          <a:xfrm>
+            <a:off x="4800600" y="838200"/>
+            <a:ext cx="3821339" cy="3571433"/>
+          </a:xfrm>
+          <a:prstGeom prst="rect">
+            <a:avLst/>
+          </a:prstGeom>
+        </p:spPr>
+      </p:pic>
+      <p:sp>
+        <p:nvSpPr>
+          <p:cNvPr id="5" name="TextBox 4"/>
+          <p:cNvSpPr txBox="1"/>
+          <p:nvPr/>
+        </p:nvSpPr>
+        <p:spPr>
+          <a:xfrm>
+            <a:off x="457200" y="5791200"/>
+            <a:ext cx="8380949" cy="646331"/>
           </a:xfrm>
           <a:prstGeom prst="rect">
             <a:avLst/>
           </a:prstGeom>
           <a:noFill/>
-          <a:ln w="9525">
-            <a:noFill/>
-            <a:miter lim="800000"/>
-            <a:headEnd/>
-            <a:tailEnd/>
-          </a:ln>
-        </p:spPr>
-      </p:pic>
+        </p:spPr>
+        <p:txBody>
+          <a:bodyPr wrap="none" rtlCol="0">
+            <a:spAutoFit/>
+          </a:bodyPr>
+          <a:lstStyle/>
+          <a:p>
+            <a:r>
+              <a:rPr lang="en-US" dirty="0"/>
+              <a:t>This looks to be a perfect correlation, but the observed correlation is entirely artefactual</a:t>
+            </a:r>
+          </a:p>
+          <a:p>
+            <a:r>
+              <a:rPr lang="en-US" dirty="0"/>
+              <a:t>induced by the normalization procedure…</a:t>
+            </a:r>
+          </a:p>
+        </p:txBody>
+      </p:sp>
+      <p:sp>
+        <p:nvSpPr>
+          <p:cNvPr id="6" name="Rectangle 5"/>
+          <p:cNvSpPr/>
+          <p:nvPr/>
+        </p:nvSpPr>
+        <p:spPr>
+          <a:xfrm>
+            <a:off x="381000" y="6489412"/>
+            <a:ext cx="10896600" cy="292388"/>
+          </a:xfrm>
+          <a:prstGeom prst="rect">
+            <a:avLst/>
+          </a:prstGeom>
+        </p:spPr>
+        <p:txBody>
+          <a:bodyPr wrap="square">
+            <a:spAutoFit/>
+          </a:bodyPr>
+          <a:lstStyle/>
+          <a:p>
+            <a:r>
+              <a:rPr lang="en-US" sz="1300" dirty="0"/>
+              <a:t>https://github.com/afodor/metagenomicsTools/blob/master/src/compositionality/compositionality.txt</a:t>
+            </a:r>
+          </a:p>
+        </p:txBody>
+      </p:sp>
     </p:spTree>
+    <p:extLst>
+      <p:ext uri="{BB962C8B-B14F-4D97-AF65-F5344CB8AC3E}">
+        <p14:creationId xmlns:p14="http://schemas.microsoft.com/office/powerpoint/2010/main" val="1198492860"/>
+      </p:ext>
+    </p:extLst>
   </p:cSld>
   <p:clrMapOvr>
     <a:masterClrMapping/>
@@ -3922,9 +4198,44 @@
           <a:chExt cx="0" cy="0"/>
         </a:xfrm>
       </p:grpSpPr>
+      <p:sp>
+        <p:nvSpPr>
+          <p:cNvPr id="2" name="TextBox 1"/>
+          <p:cNvSpPr txBox="1"/>
+          <p:nvPr/>
+        </p:nvSpPr>
+        <p:spPr>
+          <a:xfrm>
+            <a:off x="381000" y="304800"/>
+            <a:ext cx="6699270" cy="369332"/>
+          </a:xfrm>
+          <a:prstGeom prst="rect">
+            <a:avLst/>
+          </a:prstGeom>
+          <a:noFill/>
+        </p:spPr>
+        <p:txBody>
+          <a:bodyPr wrap="none" rtlCol="0">
+            <a:spAutoFit/>
+          </a:bodyPr>
+          <a:lstStyle/>
+          <a:p>
+            <a:r>
+              <a:rPr lang="en-US" dirty="0">
+                <a:solidFill>
+                  <a:srgbClr val="FF0000"/>
+                </a:solidFill>
+                <a:latin typeface="Arial" pitchFamily="34" charset="0"/>
+                <a:cs typeface="Arial" pitchFamily="34" charset="0"/>
+              </a:rPr>
+              <a:t>The correlation issue has been considered by multiple groups…</a:t>
+            </a:r>
+          </a:p>
+        </p:txBody>
+      </p:sp>
       <p:pic>
         <p:nvPicPr>
-          <p:cNvPr id="2" name="Picture 2"/>
+          <p:cNvPr id="103426" name="Picture 2"/>
           <p:cNvPicPr>
             <a:picLocks noChangeAspect="1" noChangeArrowheads="1"/>
           </p:cNvPicPr>
@@ -3939,8 +4250,8 @@
         </p:blipFill>
         <p:spPr bwMode="auto">
           <a:xfrm>
-            <a:off x="2438400" y="609600"/>
-            <a:ext cx="2945642" cy="762000"/>
+            <a:off x="381000" y="1066800"/>
+            <a:ext cx="8152918" cy="1752600"/>
           </a:xfrm>
           <a:prstGeom prst="rect">
             <a:avLst/>
@@ -3956,7 +4267,7 @@
       </p:pic>
       <p:pic>
         <p:nvPicPr>
-          <p:cNvPr id="3" name="Picture 3"/>
+          <p:cNvPr id="103427" name="Picture 3"/>
           <p:cNvPicPr>
             <a:picLocks noChangeAspect="1" noChangeArrowheads="1"/>
           </p:cNvPicPr>
@@ -3971,8 +4282,8 @@
         </p:blipFill>
         <p:spPr bwMode="auto">
           <a:xfrm>
-            <a:off x="2264465" y="1981200"/>
-            <a:ext cx="3374335" cy="1066800"/>
+            <a:off x="304800" y="3048000"/>
+            <a:ext cx="8534400" cy="838200"/>
           </a:xfrm>
           <a:prstGeom prst="rect">
             <a:avLst/>
@@ -3986,543 +4297,6 @@
           </a:ln>
         </p:spPr>
       </p:pic>
-      <p:sp>
-        <p:nvSpPr>
-          <p:cNvPr id="4" name="TextBox 3"/>
-          <p:cNvSpPr txBox="1"/>
-          <p:nvPr/>
-        </p:nvSpPr>
-        <p:spPr>
-          <a:xfrm>
-            <a:off x="914400" y="3352800"/>
-            <a:ext cx="6789103" cy="923330"/>
-          </a:xfrm>
-          <a:prstGeom prst="rect">
-            <a:avLst/>
-          </a:prstGeom>
-          <a:noFill/>
-        </p:spPr>
-        <p:txBody>
-          <a:bodyPr wrap="none" rtlCol="0">
-            <a:spAutoFit/>
-          </a:bodyPr>
-          <a:lstStyle/>
-          <a:p>
-            <a:endParaRPr lang="en-US" dirty="0">
-              <a:latin typeface="Arial" pitchFamily="34" charset="0"/>
-              <a:cs typeface="Arial" pitchFamily="34" charset="0"/>
-            </a:endParaRPr>
-          </a:p>
-          <a:p>
-            <a:r>
-              <a:rPr lang="en-US" dirty="0">
-                <a:latin typeface="Arial" pitchFamily="34" charset="0"/>
-                <a:cs typeface="Arial" pitchFamily="34" charset="0"/>
-              </a:rPr>
-              <a:t>Notice that in all the above examples, the ratio of B/A is always 2</a:t>
-            </a:r>
-          </a:p>
-          <a:p>
-            <a:r>
-              <a:rPr lang="en-US" dirty="0">
-                <a:latin typeface="Arial" pitchFamily="34" charset="0"/>
-                <a:cs typeface="Arial" pitchFamily="34" charset="0"/>
-              </a:rPr>
-              <a:t>irrespective of what happens with </a:t>
-            </a:r>
-            <a:r>
-              <a:rPr lang="en-US" dirty="0" err="1">
-                <a:latin typeface="Arial" pitchFamily="34" charset="0"/>
-                <a:cs typeface="Arial" pitchFamily="34" charset="0"/>
-              </a:rPr>
-              <a:t>taxa</a:t>
-            </a:r>
-            <a:r>
-              <a:rPr lang="en-US" dirty="0">
-                <a:latin typeface="Arial" pitchFamily="34" charset="0"/>
-                <a:cs typeface="Arial" pitchFamily="34" charset="0"/>
-              </a:rPr>
-              <a:t> C.</a:t>
-            </a:r>
-          </a:p>
-        </p:txBody>
-      </p:sp>
-      <p:sp>
-        <p:nvSpPr>
-          <p:cNvPr id="6" name="TextBox 5"/>
-          <p:cNvSpPr txBox="1"/>
-          <p:nvPr/>
-        </p:nvSpPr>
-        <p:spPr>
-          <a:xfrm>
-            <a:off x="1371600" y="4800600"/>
-            <a:ext cx="418704" cy="369332"/>
-          </a:xfrm>
-          <a:prstGeom prst="rect">
-            <a:avLst/>
-          </a:prstGeom>
-          <a:noFill/>
-        </p:spPr>
-        <p:txBody>
-          <a:bodyPr wrap="none" rtlCol="0">
-            <a:spAutoFit/>
-          </a:bodyPr>
-          <a:lstStyle/>
-          <a:p>
-            <a:r>
-              <a:rPr lang="en-US" dirty="0"/>
-              <a:t>10</a:t>
-            </a:r>
-          </a:p>
-        </p:txBody>
-      </p:sp>
-      <p:cxnSp>
-        <p:nvCxnSpPr>
-          <p:cNvPr id="8" name="Straight Connector 7"/>
-          <p:cNvCxnSpPr/>
-          <p:nvPr/>
-        </p:nvCxnSpPr>
-        <p:spPr>
-          <a:xfrm>
-            <a:off x="1066800" y="5257800"/>
-            <a:ext cx="1066800" cy="0"/>
-          </a:xfrm>
-          <a:prstGeom prst="line">
-            <a:avLst/>
-          </a:prstGeom>
-        </p:spPr>
-        <p:style>
-          <a:lnRef idx="1">
-            <a:schemeClr val="accent1"/>
-          </a:lnRef>
-          <a:fillRef idx="0">
-            <a:schemeClr val="accent1"/>
-          </a:fillRef>
-          <a:effectRef idx="0">
-            <a:schemeClr val="accent1"/>
-          </a:effectRef>
-          <a:fontRef idx="minor">
-            <a:schemeClr val="tx1"/>
-          </a:fontRef>
-        </p:style>
-      </p:cxnSp>
-      <p:sp>
-        <p:nvSpPr>
-          <p:cNvPr id="9" name="TextBox 8"/>
-          <p:cNvSpPr txBox="1"/>
-          <p:nvPr/>
-        </p:nvSpPr>
-        <p:spPr>
-          <a:xfrm>
-            <a:off x="1450914" y="5345668"/>
-            <a:ext cx="301686" cy="369332"/>
-          </a:xfrm>
-          <a:prstGeom prst="rect">
-            <a:avLst/>
-          </a:prstGeom>
-          <a:noFill/>
-        </p:spPr>
-        <p:txBody>
-          <a:bodyPr wrap="none" rtlCol="0">
-            <a:spAutoFit/>
-          </a:bodyPr>
-          <a:lstStyle/>
-          <a:p>
-            <a:r>
-              <a:rPr lang="en-US" dirty="0"/>
-              <a:t>5</a:t>
-            </a:r>
-          </a:p>
-        </p:txBody>
-      </p:sp>
-      <p:sp>
-        <p:nvSpPr>
-          <p:cNvPr id="10" name="TextBox 9"/>
-          <p:cNvSpPr txBox="1"/>
-          <p:nvPr/>
-        </p:nvSpPr>
-        <p:spPr>
-          <a:xfrm>
-            <a:off x="2438400" y="4964668"/>
-            <a:ext cx="300082" cy="369332"/>
-          </a:xfrm>
-          <a:prstGeom prst="rect">
-            <a:avLst/>
-          </a:prstGeom>
-          <a:noFill/>
-        </p:spPr>
-        <p:txBody>
-          <a:bodyPr wrap="none" rtlCol="0">
-            <a:spAutoFit/>
-          </a:bodyPr>
-          <a:lstStyle/>
-          <a:p>
-            <a:r>
-              <a:rPr lang="en-US" dirty="0"/>
-              <a:t>=</a:t>
-            </a:r>
-          </a:p>
-        </p:txBody>
-      </p:sp>
-      <p:sp>
-        <p:nvSpPr>
-          <p:cNvPr id="11" name="TextBox 10"/>
-          <p:cNvSpPr txBox="1"/>
-          <p:nvPr/>
-        </p:nvSpPr>
-        <p:spPr>
-          <a:xfrm>
-            <a:off x="3048000" y="4736068"/>
-            <a:ext cx="965329" cy="369332"/>
-          </a:xfrm>
-          <a:prstGeom prst="rect">
-            <a:avLst/>
-          </a:prstGeom>
-          <a:noFill/>
-        </p:spPr>
-        <p:txBody>
-          <a:bodyPr wrap="none" rtlCol="0">
-            <a:spAutoFit/>
-          </a:bodyPr>
-          <a:lstStyle/>
-          <a:p>
-            <a:r>
-              <a:rPr lang="en-US" dirty="0"/>
-              <a:t>10 / 115</a:t>
-            </a:r>
-          </a:p>
-        </p:txBody>
-      </p:sp>
-      <p:cxnSp>
-        <p:nvCxnSpPr>
-          <p:cNvPr id="12" name="Straight Connector 11"/>
-          <p:cNvCxnSpPr/>
-          <p:nvPr/>
-        </p:nvCxnSpPr>
-        <p:spPr>
-          <a:xfrm>
-            <a:off x="2971800" y="5257800"/>
-            <a:ext cx="1066800" cy="0"/>
-          </a:xfrm>
-          <a:prstGeom prst="line">
-            <a:avLst/>
-          </a:prstGeom>
-        </p:spPr>
-        <p:style>
-          <a:lnRef idx="1">
-            <a:schemeClr val="accent1"/>
-          </a:lnRef>
-          <a:fillRef idx="0">
-            <a:schemeClr val="accent1"/>
-          </a:fillRef>
-          <a:effectRef idx="0">
-            <a:schemeClr val="accent1"/>
-          </a:effectRef>
-          <a:fontRef idx="minor">
-            <a:schemeClr val="tx1"/>
-          </a:fontRef>
-        </p:style>
-      </p:cxnSp>
-      <p:sp>
-        <p:nvSpPr>
-          <p:cNvPr id="13" name="TextBox 12"/>
-          <p:cNvSpPr txBox="1"/>
-          <p:nvPr/>
-        </p:nvSpPr>
-        <p:spPr>
-          <a:xfrm>
-            <a:off x="3114091" y="5345668"/>
-            <a:ext cx="848309" cy="369332"/>
-          </a:xfrm>
-          <a:prstGeom prst="rect">
-            <a:avLst/>
-          </a:prstGeom>
-          <a:noFill/>
-        </p:spPr>
-        <p:txBody>
-          <a:bodyPr wrap="none" rtlCol="0">
-            <a:spAutoFit/>
-          </a:bodyPr>
-          <a:lstStyle/>
-          <a:p>
-            <a:r>
-              <a:rPr lang="en-US" dirty="0"/>
-              <a:t>5 / 115</a:t>
-            </a:r>
-          </a:p>
-        </p:txBody>
-      </p:sp>
-      <p:sp>
-        <p:nvSpPr>
-          <p:cNvPr id="14" name="TextBox 13"/>
-          <p:cNvSpPr txBox="1"/>
-          <p:nvPr/>
-        </p:nvSpPr>
-        <p:spPr>
-          <a:xfrm>
-            <a:off x="4572000" y="4724400"/>
-            <a:ext cx="1082348" cy="369332"/>
-          </a:xfrm>
-          <a:prstGeom prst="rect">
-            <a:avLst/>
-          </a:prstGeom>
-          <a:noFill/>
-        </p:spPr>
-        <p:txBody>
-          <a:bodyPr wrap="none" rtlCol="0">
-            <a:spAutoFit/>
-          </a:bodyPr>
-          <a:lstStyle/>
-          <a:p>
-            <a:r>
-              <a:rPr lang="en-US" dirty="0"/>
-              <a:t>10 / 1015</a:t>
-            </a:r>
-          </a:p>
-        </p:txBody>
-      </p:sp>
-      <p:cxnSp>
-        <p:nvCxnSpPr>
-          <p:cNvPr id="15" name="Straight Connector 14"/>
-          <p:cNvCxnSpPr/>
-          <p:nvPr/>
-        </p:nvCxnSpPr>
-        <p:spPr>
-          <a:xfrm>
-            <a:off x="4495800" y="5246132"/>
-            <a:ext cx="1066800" cy="0"/>
-          </a:xfrm>
-          <a:prstGeom prst="line">
-            <a:avLst/>
-          </a:prstGeom>
-        </p:spPr>
-        <p:style>
-          <a:lnRef idx="1">
-            <a:schemeClr val="accent1"/>
-          </a:lnRef>
-          <a:fillRef idx="0">
-            <a:schemeClr val="accent1"/>
-          </a:fillRef>
-          <a:effectRef idx="0">
-            <a:schemeClr val="accent1"/>
-          </a:effectRef>
-          <a:fontRef idx="minor">
-            <a:schemeClr val="tx1"/>
-          </a:fontRef>
-        </p:style>
-      </p:cxnSp>
-      <p:sp>
-        <p:nvSpPr>
-          <p:cNvPr id="16" name="TextBox 15"/>
-          <p:cNvSpPr txBox="1"/>
-          <p:nvPr/>
-        </p:nvSpPr>
-        <p:spPr>
-          <a:xfrm>
-            <a:off x="4638091" y="5334000"/>
-            <a:ext cx="965329" cy="369332"/>
-          </a:xfrm>
-          <a:prstGeom prst="rect">
-            <a:avLst/>
-          </a:prstGeom>
-          <a:noFill/>
-        </p:spPr>
-        <p:txBody>
-          <a:bodyPr wrap="none" rtlCol="0">
-            <a:spAutoFit/>
-          </a:bodyPr>
-          <a:lstStyle/>
-          <a:p>
-            <a:r>
-              <a:rPr lang="en-US" dirty="0"/>
-              <a:t>5 / 1015</a:t>
-            </a:r>
-          </a:p>
-        </p:txBody>
-      </p:sp>
-      <p:sp>
-        <p:nvSpPr>
-          <p:cNvPr id="17" name="TextBox 16"/>
-          <p:cNvSpPr txBox="1"/>
-          <p:nvPr/>
-        </p:nvSpPr>
-        <p:spPr>
-          <a:xfrm>
-            <a:off x="4114800" y="5029200"/>
-            <a:ext cx="300082" cy="369332"/>
-          </a:xfrm>
-          <a:prstGeom prst="rect">
-            <a:avLst/>
-          </a:prstGeom>
-          <a:noFill/>
-        </p:spPr>
-        <p:txBody>
-          <a:bodyPr wrap="none" rtlCol="0">
-            <a:spAutoFit/>
-          </a:bodyPr>
-          <a:lstStyle/>
-          <a:p>
-            <a:r>
-              <a:rPr lang="en-US" dirty="0"/>
-              <a:t>=</a:t>
-            </a:r>
-          </a:p>
-        </p:txBody>
-      </p:sp>
-      <p:sp>
-        <p:nvSpPr>
-          <p:cNvPr id="18" name="TextBox 17"/>
-          <p:cNvSpPr txBox="1"/>
-          <p:nvPr/>
-        </p:nvSpPr>
-        <p:spPr>
-          <a:xfrm>
-            <a:off x="5795918" y="5029200"/>
-            <a:ext cx="300082" cy="369332"/>
-          </a:xfrm>
-          <a:prstGeom prst="rect">
-            <a:avLst/>
-          </a:prstGeom>
-          <a:noFill/>
-        </p:spPr>
-        <p:txBody>
-          <a:bodyPr wrap="none" rtlCol="0">
-            <a:spAutoFit/>
-          </a:bodyPr>
-          <a:lstStyle/>
-          <a:p>
-            <a:r>
-              <a:rPr lang="en-US" dirty="0"/>
-              <a:t>=</a:t>
-            </a:r>
-          </a:p>
-        </p:txBody>
-      </p:sp>
-      <p:sp>
-        <p:nvSpPr>
-          <p:cNvPr id="19" name="TextBox 18"/>
-          <p:cNvSpPr txBox="1"/>
-          <p:nvPr/>
-        </p:nvSpPr>
-        <p:spPr>
-          <a:xfrm>
-            <a:off x="6172200" y="5029200"/>
-            <a:ext cx="301686" cy="369332"/>
-          </a:xfrm>
-          <a:prstGeom prst="rect">
-            <a:avLst/>
-          </a:prstGeom>
-          <a:noFill/>
-        </p:spPr>
-        <p:txBody>
-          <a:bodyPr wrap="none" rtlCol="0">
-            <a:spAutoFit/>
-          </a:bodyPr>
-          <a:lstStyle/>
-          <a:p>
-            <a:r>
-              <a:rPr lang="en-US" dirty="0"/>
-              <a:t>2</a:t>
-            </a:r>
-          </a:p>
-        </p:txBody>
-      </p:sp>
-      <p:sp>
-        <p:nvSpPr>
-          <p:cNvPr id="20" name="Rectangle 19"/>
-          <p:cNvSpPr/>
-          <p:nvPr/>
-        </p:nvSpPr>
-        <p:spPr>
-          <a:xfrm>
-            <a:off x="381000" y="76200"/>
-            <a:ext cx="8305800" cy="369332"/>
-          </a:xfrm>
-          <a:prstGeom prst="rect">
-            <a:avLst/>
-          </a:prstGeom>
-        </p:spPr>
-        <p:txBody>
-          <a:bodyPr wrap="square">
-            <a:spAutoFit/>
-          </a:bodyPr>
-          <a:lstStyle/>
-          <a:p>
-            <a:r>
-              <a:rPr lang="en-US" dirty="0">
-                <a:solidFill>
-                  <a:srgbClr val="FF0000"/>
-                </a:solidFill>
-                <a:latin typeface="Arial" pitchFamily="34" charset="0"/>
-                <a:cs typeface="Arial" pitchFamily="34" charset="0"/>
-              </a:rPr>
-              <a:t>Normalization schemes can take advantage of working in ratio space</a:t>
-            </a:r>
-          </a:p>
-        </p:txBody>
-      </p:sp>
-      <p:cxnSp>
-        <p:nvCxnSpPr>
-          <p:cNvPr id="21" name="Straight Arrow Connector 20"/>
-          <p:cNvCxnSpPr/>
-          <p:nvPr/>
-        </p:nvCxnSpPr>
-        <p:spPr>
-          <a:xfrm>
-            <a:off x="3688868" y="1447800"/>
-            <a:ext cx="0" cy="457200"/>
-          </a:xfrm>
-          <a:prstGeom prst="straightConnector1">
-            <a:avLst/>
-          </a:prstGeom>
-          <a:ln>
-            <a:tailEnd type="arrow"/>
-          </a:ln>
-        </p:spPr>
-        <p:style>
-          <a:lnRef idx="1">
-            <a:schemeClr val="accent1"/>
-          </a:lnRef>
-          <a:fillRef idx="0">
-            <a:schemeClr val="accent1"/>
-          </a:fillRef>
-          <a:effectRef idx="0">
-            <a:schemeClr val="accent1"/>
-          </a:effectRef>
-          <a:fontRef idx="minor">
-            <a:schemeClr val="tx1"/>
-          </a:fontRef>
-        </p:style>
-      </p:cxnSp>
-      <p:sp>
-        <p:nvSpPr>
-          <p:cNvPr id="22" name="TextBox 21"/>
-          <p:cNvSpPr txBox="1"/>
-          <p:nvPr/>
-        </p:nvSpPr>
-        <p:spPr>
-          <a:xfrm>
-            <a:off x="3688868" y="1447800"/>
-            <a:ext cx="2026132" cy="369332"/>
-          </a:xfrm>
-          <a:prstGeom prst="rect">
-            <a:avLst/>
-          </a:prstGeom>
-          <a:noFill/>
-        </p:spPr>
-        <p:txBody>
-          <a:bodyPr wrap="none" rtlCol="0">
-            <a:spAutoFit/>
-          </a:bodyPr>
-          <a:lstStyle/>
-          <a:p>
-            <a:r>
-              <a:rPr lang="en-US" dirty="0"/>
-              <a:t>Relative abundance</a:t>
-            </a:r>
-          </a:p>
-        </p:txBody>
-      </p:sp>
     </p:spTree>
   </p:cSld>
   <p:clrMapOvr>
@@ -4556,8 +4330,8 @@
         </p:nvSpPr>
         <p:spPr>
           <a:xfrm>
-            <a:off x="533400" y="152400"/>
-            <a:ext cx="7335919" cy="369332"/>
+            <a:off x="228600" y="118646"/>
+            <a:ext cx="11353800" cy="338554"/>
           </a:xfrm>
           <a:prstGeom prst="rect">
             <a:avLst/>
@@ -4565,107 +4339,109 @@
           <a:noFill/>
         </p:spPr>
         <p:txBody>
-          <a:bodyPr wrap="none" rtlCol="0">
+          <a:bodyPr wrap="square" rtlCol="0">
             <a:spAutoFit/>
           </a:bodyPr>
           <a:lstStyle/>
           <a:p>
             <a:r>
-              <a:rPr lang="en-US" dirty="0"/>
-              <a:t>But ratio or log-ratio space does not protect you from spurious correlations…</a:t>
+              <a:rPr lang="en-US" sz="1600" dirty="0">
+                <a:solidFill>
+                  <a:srgbClr val="FF0000"/>
+                </a:solidFill>
+                <a:latin typeface="Arial" pitchFamily="34" charset="0"/>
+                <a:cs typeface="Arial" pitchFamily="34" charset="0"/>
+              </a:rPr>
+              <a:t>The compositional nature of 16S </a:t>
+            </a:r>
+            <a:r>
+              <a:rPr lang="en-US" sz="1600" dirty="0" err="1">
+                <a:solidFill>
+                  <a:srgbClr val="FF0000"/>
+                </a:solidFill>
+                <a:latin typeface="Arial" pitchFamily="34" charset="0"/>
+                <a:cs typeface="Arial" pitchFamily="34" charset="0"/>
+              </a:rPr>
+              <a:t>rRNA</a:t>
+            </a:r>
+            <a:r>
+              <a:rPr lang="en-US" sz="1600" dirty="0">
+                <a:solidFill>
+                  <a:srgbClr val="FF0000"/>
+                </a:solidFill>
+                <a:latin typeface="Arial" pitchFamily="34" charset="0"/>
+                <a:cs typeface="Arial" pitchFamily="34" charset="0"/>
+              </a:rPr>
+              <a:t> data has led to controversies over analysis pipelines…   </a:t>
             </a:r>
           </a:p>
         </p:txBody>
       </p:sp>
       <p:pic>
         <p:nvPicPr>
-          <p:cNvPr id="3" name="Picture 2"/>
+          <p:cNvPr id="2050" name="Picture 2"/>
           <p:cNvPicPr>
-            <a:picLocks noChangeAspect="1"/>
+            <a:picLocks noChangeAspect="1" noChangeArrowheads="1"/>
           </p:cNvPicPr>
           <p:nvPr/>
         </p:nvPicPr>
         <p:blipFill>
-          <a:blip r:embed="rId2"/>
+          <a:blip r:embed="rId2" cstate="print"/>
+          <a:srcRect/>
           <a:stretch>
             <a:fillRect/>
           </a:stretch>
         </p:blipFill>
-        <p:spPr>
-          <a:xfrm>
-            <a:off x="247444" y="685800"/>
-            <a:ext cx="5467556" cy="4648200"/>
-          </a:xfrm>
-          <a:prstGeom prst="rect">
-            <a:avLst/>
-          </a:prstGeom>
+        <p:spPr bwMode="auto">
+          <a:xfrm>
+            <a:off x="381000" y="762000"/>
+            <a:ext cx="8001000" cy="2038716"/>
+          </a:xfrm>
+          <a:prstGeom prst="rect">
+            <a:avLst/>
+          </a:prstGeom>
+          <a:noFill/>
+          <a:ln w="9525">
+            <a:noFill/>
+            <a:miter lim="800000"/>
+            <a:headEnd/>
+            <a:tailEnd/>
+          </a:ln>
         </p:spPr>
       </p:pic>
       <p:pic>
         <p:nvPicPr>
-          <p:cNvPr id="4" name="Picture 3"/>
+          <p:cNvPr id="2051" name="Picture 3"/>
           <p:cNvPicPr>
-            <a:picLocks noChangeAspect="1"/>
+            <a:picLocks noChangeAspect="1" noChangeArrowheads="1"/>
           </p:cNvPicPr>
           <p:nvPr/>
         </p:nvPicPr>
         <p:blipFill>
-          <a:blip r:embed="rId3"/>
+          <a:blip r:embed="rId3" cstate="print"/>
+          <a:srcRect/>
           <a:stretch>
             <a:fillRect/>
           </a:stretch>
         </p:blipFill>
-        <p:spPr>
-          <a:xfrm>
-            <a:off x="5064296" y="838200"/>
-            <a:ext cx="3774904" cy="3581400"/>
-          </a:xfrm>
-          <a:prstGeom prst="rect">
-            <a:avLst/>
-          </a:prstGeom>
+        <p:spPr bwMode="auto">
+          <a:xfrm>
+            <a:off x="990600" y="3200400"/>
+            <a:ext cx="6934200" cy="3476625"/>
+          </a:xfrm>
+          <a:prstGeom prst="rect">
+            <a:avLst/>
+          </a:prstGeom>
+          <a:noFill/>
+          <a:ln w="9525">
+            <a:noFill/>
+            <a:miter lim="800000"/>
+            <a:headEnd/>
+            <a:tailEnd/>
+          </a:ln>
         </p:spPr>
       </p:pic>
-      <p:sp>
-        <p:nvSpPr>
-          <p:cNvPr id="5" name="TextBox 4"/>
-          <p:cNvSpPr txBox="1"/>
-          <p:nvPr/>
-        </p:nvSpPr>
-        <p:spPr>
-          <a:xfrm>
-            <a:off x="609600" y="5410200"/>
-            <a:ext cx="7978146" cy="646331"/>
-          </a:xfrm>
-          <a:prstGeom prst="rect">
-            <a:avLst/>
-          </a:prstGeom>
-          <a:noFill/>
-        </p:spPr>
-        <p:txBody>
-          <a:bodyPr wrap="none" rtlCol="0">
-            <a:spAutoFit/>
-          </a:bodyPr>
-          <a:lstStyle/>
-          <a:p>
-            <a:r>
-              <a:rPr lang="en-US" dirty="0"/>
-              <a:t>If you plot a vector against itself, it is a perfect correlation.</a:t>
-            </a:r>
-          </a:p>
-          <a:p>
-            <a:r>
-              <a:rPr lang="en-US" dirty="0"/>
-              <a:t>Multiplying or dividing by random noise, doesn’t change the underlying association.</a:t>
-            </a:r>
-          </a:p>
-        </p:txBody>
-      </p:sp>
     </p:spTree>
-    <p:extLst>
-      <p:ext uri="{BB962C8B-B14F-4D97-AF65-F5344CB8AC3E}">
-        <p14:creationId xmlns:p14="http://schemas.microsoft.com/office/powerpoint/2010/main" val="2377843555"/>
-      </p:ext>
-    </p:extLst>
   </p:cSld>
   <p:clrMapOvr>
     <a:masterClrMapping/>
@@ -4690,123 +4466,80 @@
           <a:chExt cx="0" cy="0"/>
         </a:xfrm>
       </p:grpSpPr>
-      <p:sp>
-        <p:nvSpPr>
-          <p:cNvPr id="2" name="TextBox 1"/>
-          <p:cNvSpPr txBox="1"/>
-          <p:nvPr/>
-        </p:nvSpPr>
-        <p:spPr>
-          <a:xfrm>
-            <a:off x="152400" y="76200"/>
-            <a:ext cx="9013942" cy="646331"/>
-          </a:xfrm>
-          <a:prstGeom prst="rect">
-            <a:avLst/>
-          </a:prstGeom>
-          <a:noFill/>
-        </p:spPr>
-        <p:txBody>
-          <a:bodyPr wrap="none" rtlCol="0">
-            <a:spAutoFit/>
-          </a:bodyPr>
-          <a:lstStyle/>
-          <a:p>
-            <a:r>
-              <a:rPr lang="en-US" dirty="0"/>
-              <a:t>Normalization artifacts can lead to spurious inference in which we know something is changing</a:t>
-            </a:r>
-          </a:p>
-          <a:p>
-            <a:r>
-              <a:rPr lang="en-US" dirty="0"/>
-              <a:t>in our experiment but we don’t know what.</a:t>
-            </a:r>
-          </a:p>
-        </p:txBody>
-      </p:sp>
       <p:pic>
         <p:nvPicPr>
-          <p:cNvPr id="3" name="Picture 2"/>
+          <p:cNvPr id="2" name="Picture 2"/>
           <p:cNvPicPr>
-            <a:picLocks noChangeAspect="1"/>
+            <a:picLocks noChangeAspect="1" noChangeArrowheads="1"/>
           </p:cNvPicPr>
           <p:nvPr/>
         </p:nvPicPr>
         <p:blipFill>
-          <a:blip r:embed="rId2"/>
+          <a:blip r:embed="rId2" cstate="print"/>
+          <a:srcRect/>
           <a:stretch>
             <a:fillRect/>
           </a:stretch>
         </p:blipFill>
-        <p:spPr>
-          <a:xfrm>
-            <a:off x="76200" y="914400"/>
-            <a:ext cx="4826256" cy="1446416"/>
-          </a:xfrm>
-          <a:prstGeom prst="rect">
-            <a:avLst/>
-          </a:prstGeom>
+        <p:spPr bwMode="auto">
+          <a:xfrm>
+            <a:off x="2438400" y="609600"/>
+            <a:ext cx="2945642" cy="762000"/>
+          </a:xfrm>
+          <a:prstGeom prst="rect">
+            <a:avLst/>
+          </a:prstGeom>
+          <a:noFill/>
+          <a:ln w="9525">
+            <a:noFill/>
+            <a:miter lim="800000"/>
+            <a:headEnd/>
+            <a:tailEnd/>
+          </a:ln>
         </p:spPr>
       </p:pic>
       <p:pic>
         <p:nvPicPr>
-          <p:cNvPr id="4" name="Picture 3"/>
+          <p:cNvPr id="3" name="Picture 3"/>
           <p:cNvPicPr>
-            <a:picLocks noChangeAspect="1"/>
+            <a:picLocks noChangeAspect="1" noChangeArrowheads="1"/>
           </p:cNvPicPr>
           <p:nvPr/>
         </p:nvPicPr>
         <p:blipFill>
-          <a:blip r:embed="rId3"/>
+          <a:blip r:embed="rId3" cstate="print"/>
+          <a:srcRect/>
           <a:stretch>
             <a:fillRect/>
           </a:stretch>
         </p:blipFill>
-        <p:spPr>
-          <a:xfrm>
-            <a:off x="186267" y="2514600"/>
-            <a:ext cx="6041996" cy="3758379"/>
-          </a:xfrm>
-          <a:prstGeom prst="rect">
-            <a:avLst/>
-          </a:prstGeom>
+        <p:spPr bwMode="auto">
+          <a:xfrm>
+            <a:off x="2264465" y="1981200"/>
+            <a:ext cx="3374335" cy="1066800"/>
+          </a:xfrm>
+          <a:prstGeom prst="rect">
+            <a:avLst/>
+          </a:prstGeom>
+          <a:noFill/>
+          <a:ln w="9525">
+            <a:noFill/>
+            <a:miter lim="800000"/>
+            <a:headEnd/>
+            <a:tailEnd/>
+          </a:ln>
         </p:spPr>
       </p:pic>
-      <p:pic>
-        <p:nvPicPr>
-          <p:cNvPr id="5" name="Picture 4"/>
-          <p:cNvPicPr>
-            <a:picLocks noChangeAspect="1"/>
-          </p:cNvPicPr>
-          <p:nvPr/>
-        </p:nvPicPr>
-        <p:blipFill>
-          <a:blip r:embed="rId4"/>
-          <a:stretch>
-            <a:fillRect/>
-          </a:stretch>
-        </p:blipFill>
-        <p:spPr>
-          <a:xfrm>
-            <a:off x="5638800" y="685800"/>
-            <a:ext cx="2825825" cy="2617789"/>
-          </a:xfrm>
-          <a:prstGeom prst="rect">
-            <a:avLst/>
-          </a:prstGeom>
-        </p:spPr>
-      </p:pic>
-      <p:sp>
-        <p:nvSpPr>
-          <p:cNvPr id="6" name="TextBox 5"/>
+      <p:sp>
+        <p:nvSpPr>
+          <p:cNvPr id="4" name="TextBox 3"/>
           <p:cNvSpPr txBox="1"/>
           <p:nvPr/>
         </p:nvSpPr>
         <p:spPr>
           <a:xfrm>
-            <a:off x="381000" y="6272979"/>
-            <a:ext cx="6787820" cy="369332"/>
+            <a:off x="914400" y="3352800"/>
+            <a:ext cx="6789103" cy="923330"/>
           </a:xfrm>
           <a:prstGeom prst="rect">
             <a:avLst/>
@@ -4819,19 +4552,522 @@
           </a:bodyPr>
           <a:lstStyle/>
           <a:p>
+            <a:endParaRPr lang="en-US" dirty="0">
+              <a:latin typeface="Arial" pitchFamily="34" charset="0"/>
+              <a:cs typeface="Arial" pitchFamily="34" charset="0"/>
+            </a:endParaRPr>
+          </a:p>
+          <a:p>
+            <a:r>
+              <a:rPr lang="en-US" dirty="0">
+                <a:latin typeface="Arial" pitchFamily="34" charset="0"/>
+                <a:cs typeface="Arial" pitchFamily="34" charset="0"/>
+              </a:rPr>
+              <a:t>Notice that in all the above examples, the ratio of B/A is always 2</a:t>
+            </a:r>
+          </a:p>
+          <a:p>
+            <a:r>
+              <a:rPr lang="en-US" dirty="0">
+                <a:latin typeface="Arial" pitchFamily="34" charset="0"/>
+                <a:cs typeface="Arial" pitchFamily="34" charset="0"/>
+              </a:rPr>
+              <a:t>irrespective of what happens with </a:t>
+            </a:r>
+            <a:r>
+              <a:rPr lang="en-US" dirty="0" err="1">
+                <a:latin typeface="Arial" pitchFamily="34" charset="0"/>
+                <a:cs typeface="Arial" pitchFamily="34" charset="0"/>
+              </a:rPr>
+              <a:t>taxa</a:t>
+            </a:r>
+            <a:r>
+              <a:rPr lang="en-US" dirty="0">
+                <a:latin typeface="Arial" pitchFamily="34" charset="0"/>
+                <a:cs typeface="Arial" pitchFamily="34" charset="0"/>
+              </a:rPr>
+              <a:t> C.</a:t>
+            </a:r>
+          </a:p>
+        </p:txBody>
+      </p:sp>
+      <p:sp>
+        <p:nvSpPr>
+          <p:cNvPr id="6" name="TextBox 5"/>
+          <p:cNvSpPr txBox="1"/>
+          <p:nvPr/>
+        </p:nvSpPr>
+        <p:spPr>
+          <a:xfrm>
+            <a:off x="1371600" y="4800600"/>
+            <a:ext cx="418704" cy="369332"/>
+          </a:xfrm>
+          <a:prstGeom prst="rect">
+            <a:avLst/>
+          </a:prstGeom>
+          <a:noFill/>
+        </p:spPr>
+        <p:txBody>
+          <a:bodyPr wrap="none" rtlCol="0">
+            <a:spAutoFit/>
+          </a:bodyPr>
+          <a:lstStyle/>
+          <a:p>
             <a:r>
               <a:rPr lang="en-US" dirty="0"/>
-              <a:t>Here changes in one taxa induce spurious observed changes in another</a:t>
+              <a:t>10</a:t>
+            </a:r>
+          </a:p>
+        </p:txBody>
+      </p:sp>
+      <p:cxnSp>
+        <p:nvCxnSpPr>
+          <p:cNvPr id="8" name="Straight Connector 7"/>
+          <p:cNvCxnSpPr/>
+          <p:nvPr/>
+        </p:nvCxnSpPr>
+        <p:spPr>
+          <a:xfrm>
+            <a:off x="1066800" y="5257800"/>
+            <a:ext cx="1066800" cy="0"/>
+          </a:xfrm>
+          <a:prstGeom prst="line">
+            <a:avLst/>
+          </a:prstGeom>
+        </p:spPr>
+        <p:style>
+          <a:lnRef idx="1">
+            <a:schemeClr val="accent1"/>
+          </a:lnRef>
+          <a:fillRef idx="0">
+            <a:schemeClr val="accent1"/>
+          </a:fillRef>
+          <a:effectRef idx="0">
+            <a:schemeClr val="accent1"/>
+          </a:effectRef>
+          <a:fontRef idx="minor">
+            <a:schemeClr val="tx1"/>
+          </a:fontRef>
+        </p:style>
+      </p:cxnSp>
+      <p:sp>
+        <p:nvSpPr>
+          <p:cNvPr id="9" name="TextBox 8"/>
+          <p:cNvSpPr txBox="1"/>
+          <p:nvPr/>
+        </p:nvSpPr>
+        <p:spPr>
+          <a:xfrm>
+            <a:off x="1450914" y="5345668"/>
+            <a:ext cx="301686" cy="369332"/>
+          </a:xfrm>
+          <a:prstGeom prst="rect">
+            <a:avLst/>
+          </a:prstGeom>
+          <a:noFill/>
+        </p:spPr>
+        <p:txBody>
+          <a:bodyPr wrap="none" rtlCol="0">
+            <a:spAutoFit/>
+          </a:bodyPr>
+          <a:lstStyle/>
+          <a:p>
+            <a:r>
+              <a:rPr lang="en-US" dirty="0"/>
+              <a:t>5</a:t>
+            </a:r>
+          </a:p>
+        </p:txBody>
+      </p:sp>
+      <p:sp>
+        <p:nvSpPr>
+          <p:cNvPr id="10" name="TextBox 9"/>
+          <p:cNvSpPr txBox="1"/>
+          <p:nvPr/>
+        </p:nvSpPr>
+        <p:spPr>
+          <a:xfrm>
+            <a:off x="2438400" y="4964668"/>
+            <a:ext cx="300082" cy="369332"/>
+          </a:xfrm>
+          <a:prstGeom prst="rect">
+            <a:avLst/>
+          </a:prstGeom>
+          <a:noFill/>
+        </p:spPr>
+        <p:txBody>
+          <a:bodyPr wrap="none" rtlCol="0">
+            <a:spAutoFit/>
+          </a:bodyPr>
+          <a:lstStyle/>
+          <a:p>
+            <a:r>
+              <a:rPr lang="en-US" dirty="0"/>
+              <a:t>=</a:t>
+            </a:r>
+          </a:p>
+        </p:txBody>
+      </p:sp>
+      <p:sp>
+        <p:nvSpPr>
+          <p:cNvPr id="11" name="TextBox 10"/>
+          <p:cNvSpPr txBox="1"/>
+          <p:nvPr/>
+        </p:nvSpPr>
+        <p:spPr>
+          <a:xfrm>
+            <a:off x="3048000" y="4736068"/>
+            <a:ext cx="965329" cy="369332"/>
+          </a:xfrm>
+          <a:prstGeom prst="rect">
+            <a:avLst/>
+          </a:prstGeom>
+          <a:noFill/>
+        </p:spPr>
+        <p:txBody>
+          <a:bodyPr wrap="none" rtlCol="0">
+            <a:spAutoFit/>
+          </a:bodyPr>
+          <a:lstStyle/>
+          <a:p>
+            <a:r>
+              <a:rPr lang="en-US" dirty="0"/>
+              <a:t>10 / 115</a:t>
+            </a:r>
+          </a:p>
+        </p:txBody>
+      </p:sp>
+      <p:cxnSp>
+        <p:nvCxnSpPr>
+          <p:cNvPr id="12" name="Straight Connector 11"/>
+          <p:cNvCxnSpPr/>
+          <p:nvPr/>
+        </p:nvCxnSpPr>
+        <p:spPr>
+          <a:xfrm>
+            <a:off x="2971800" y="5257800"/>
+            <a:ext cx="1066800" cy="0"/>
+          </a:xfrm>
+          <a:prstGeom prst="line">
+            <a:avLst/>
+          </a:prstGeom>
+        </p:spPr>
+        <p:style>
+          <a:lnRef idx="1">
+            <a:schemeClr val="accent1"/>
+          </a:lnRef>
+          <a:fillRef idx="0">
+            <a:schemeClr val="accent1"/>
+          </a:fillRef>
+          <a:effectRef idx="0">
+            <a:schemeClr val="accent1"/>
+          </a:effectRef>
+          <a:fontRef idx="minor">
+            <a:schemeClr val="tx1"/>
+          </a:fontRef>
+        </p:style>
+      </p:cxnSp>
+      <p:sp>
+        <p:nvSpPr>
+          <p:cNvPr id="13" name="TextBox 12"/>
+          <p:cNvSpPr txBox="1"/>
+          <p:nvPr/>
+        </p:nvSpPr>
+        <p:spPr>
+          <a:xfrm>
+            <a:off x="3114091" y="5345668"/>
+            <a:ext cx="848309" cy="369332"/>
+          </a:xfrm>
+          <a:prstGeom prst="rect">
+            <a:avLst/>
+          </a:prstGeom>
+          <a:noFill/>
+        </p:spPr>
+        <p:txBody>
+          <a:bodyPr wrap="none" rtlCol="0">
+            <a:spAutoFit/>
+          </a:bodyPr>
+          <a:lstStyle/>
+          <a:p>
+            <a:r>
+              <a:rPr lang="en-US" dirty="0"/>
+              <a:t>5 / 115</a:t>
+            </a:r>
+          </a:p>
+        </p:txBody>
+      </p:sp>
+      <p:sp>
+        <p:nvSpPr>
+          <p:cNvPr id="14" name="TextBox 13"/>
+          <p:cNvSpPr txBox="1"/>
+          <p:nvPr/>
+        </p:nvSpPr>
+        <p:spPr>
+          <a:xfrm>
+            <a:off x="4572000" y="4724400"/>
+            <a:ext cx="1082348" cy="369332"/>
+          </a:xfrm>
+          <a:prstGeom prst="rect">
+            <a:avLst/>
+          </a:prstGeom>
+          <a:noFill/>
+        </p:spPr>
+        <p:txBody>
+          <a:bodyPr wrap="none" rtlCol="0">
+            <a:spAutoFit/>
+          </a:bodyPr>
+          <a:lstStyle/>
+          <a:p>
+            <a:r>
+              <a:rPr lang="en-US" dirty="0"/>
+              <a:t>10 / 1015</a:t>
+            </a:r>
+          </a:p>
+        </p:txBody>
+      </p:sp>
+      <p:cxnSp>
+        <p:nvCxnSpPr>
+          <p:cNvPr id="15" name="Straight Connector 14"/>
+          <p:cNvCxnSpPr/>
+          <p:nvPr/>
+        </p:nvCxnSpPr>
+        <p:spPr>
+          <a:xfrm>
+            <a:off x="4495800" y="5246132"/>
+            <a:ext cx="1066800" cy="0"/>
+          </a:xfrm>
+          <a:prstGeom prst="line">
+            <a:avLst/>
+          </a:prstGeom>
+        </p:spPr>
+        <p:style>
+          <a:lnRef idx="1">
+            <a:schemeClr val="accent1"/>
+          </a:lnRef>
+          <a:fillRef idx="0">
+            <a:schemeClr val="accent1"/>
+          </a:fillRef>
+          <a:effectRef idx="0">
+            <a:schemeClr val="accent1"/>
+          </a:effectRef>
+          <a:fontRef idx="minor">
+            <a:schemeClr val="tx1"/>
+          </a:fontRef>
+        </p:style>
+      </p:cxnSp>
+      <p:sp>
+        <p:nvSpPr>
+          <p:cNvPr id="16" name="TextBox 15"/>
+          <p:cNvSpPr txBox="1"/>
+          <p:nvPr/>
+        </p:nvSpPr>
+        <p:spPr>
+          <a:xfrm>
+            <a:off x="4638091" y="5334000"/>
+            <a:ext cx="965329" cy="369332"/>
+          </a:xfrm>
+          <a:prstGeom prst="rect">
+            <a:avLst/>
+          </a:prstGeom>
+          <a:noFill/>
+        </p:spPr>
+        <p:txBody>
+          <a:bodyPr wrap="none" rtlCol="0">
+            <a:spAutoFit/>
+          </a:bodyPr>
+          <a:lstStyle/>
+          <a:p>
+            <a:r>
+              <a:rPr lang="en-US" dirty="0"/>
+              <a:t>5 / 1015</a:t>
+            </a:r>
+          </a:p>
+        </p:txBody>
+      </p:sp>
+      <p:sp>
+        <p:nvSpPr>
+          <p:cNvPr id="17" name="TextBox 16"/>
+          <p:cNvSpPr txBox="1"/>
+          <p:nvPr/>
+        </p:nvSpPr>
+        <p:spPr>
+          <a:xfrm>
+            <a:off x="4114800" y="5029200"/>
+            <a:ext cx="300082" cy="369332"/>
+          </a:xfrm>
+          <a:prstGeom prst="rect">
+            <a:avLst/>
+          </a:prstGeom>
+          <a:noFill/>
+        </p:spPr>
+        <p:txBody>
+          <a:bodyPr wrap="none" rtlCol="0">
+            <a:spAutoFit/>
+          </a:bodyPr>
+          <a:lstStyle/>
+          <a:p>
+            <a:r>
+              <a:rPr lang="en-US" dirty="0"/>
+              <a:t>=</a:t>
+            </a:r>
+          </a:p>
+        </p:txBody>
+      </p:sp>
+      <p:sp>
+        <p:nvSpPr>
+          <p:cNvPr id="18" name="TextBox 17"/>
+          <p:cNvSpPr txBox="1"/>
+          <p:nvPr/>
+        </p:nvSpPr>
+        <p:spPr>
+          <a:xfrm>
+            <a:off x="5795918" y="5029200"/>
+            <a:ext cx="300082" cy="369332"/>
+          </a:xfrm>
+          <a:prstGeom prst="rect">
+            <a:avLst/>
+          </a:prstGeom>
+          <a:noFill/>
+        </p:spPr>
+        <p:txBody>
+          <a:bodyPr wrap="none" rtlCol="0">
+            <a:spAutoFit/>
+          </a:bodyPr>
+          <a:lstStyle/>
+          <a:p>
+            <a:r>
+              <a:rPr lang="en-US" dirty="0"/>
+              <a:t>=</a:t>
+            </a:r>
+          </a:p>
+        </p:txBody>
+      </p:sp>
+      <p:sp>
+        <p:nvSpPr>
+          <p:cNvPr id="19" name="TextBox 18"/>
+          <p:cNvSpPr txBox="1"/>
+          <p:nvPr/>
+        </p:nvSpPr>
+        <p:spPr>
+          <a:xfrm>
+            <a:off x="6172200" y="5029200"/>
+            <a:ext cx="301686" cy="369332"/>
+          </a:xfrm>
+          <a:prstGeom prst="rect">
+            <a:avLst/>
+          </a:prstGeom>
+          <a:noFill/>
+        </p:spPr>
+        <p:txBody>
+          <a:bodyPr wrap="none" rtlCol="0">
+            <a:spAutoFit/>
+          </a:bodyPr>
+          <a:lstStyle/>
+          <a:p>
+            <a:r>
+              <a:rPr lang="en-US" dirty="0"/>
+              <a:t>2</a:t>
+            </a:r>
+          </a:p>
+        </p:txBody>
+      </p:sp>
+      <p:sp>
+        <p:nvSpPr>
+          <p:cNvPr id="20" name="Rectangle 19"/>
+          <p:cNvSpPr/>
+          <p:nvPr/>
+        </p:nvSpPr>
+        <p:spPr>
+          <a:xfrm>
+            <a:off x="381000" y="76200"/>
+            <a:ext cx="8305800" cy="369332"/>
+          </a:xfrm>
+          <a:prstGeom prst="rect">
+            <a:avLst/>
+          </a:prstGeom>
+        </p:spPr>
+        <p:txBody>
+          <a:bodyPr wrap="square">
+            <a:spAutoFit/>
+          </a:bodyPr>
+          <a:lstStyle/>
+          <a:p>
+            <a:r>
+              <a:rPr lang="en-US" dirty="0">
+                <a:solidFill>
+                  <a:srgbClr val="FF0000"/>
+                </a:solidFill>
+                <a:latin typeface="Arial" pitchFamily="34" charset="0"/>
+                <a:cs typeface="Arial" pitchFamily="34" charset="0"/>
+              </a:rPr>
+              <a:t>Normalization schemes can take advantage of working in ratio space</a:t>
+            </a:r>
+          </a:p>
+        </p:txBody>
+      </p:sp>
+      <p:cxnSp>
+        <p:nvCxnSpPr>
+          <p:cNvPr id="21" name="Straight Arrow Connector 20"/>
+          <p:cNvCxnSpPr/>
+          <p:nvPr/>
+        </p:nvCxnSpPr>
+        <p:spPr>
+          <a:xfrm>
+            <a:off x="3688868" y="1447800"/>
+            <a:ext cx="0" cy="457200"/>
+          </a:xfrm>
+          <a:prstGeom prst="straightConnector1">
+            <a:avLst/>
+          </a:prstGeom>
+          <a:ln>
+            <a:tailEnd type="arrow"/>
+          </a:ln>
+        </p:spPr>
+        <p:style>
+          <a:lnRef idx="1">
+            <a:schemeClr val="accent1"/>
+          </a:lnRef>
+          <a:fillRef idx="0">
+            <a:schemeClr val="accent1"/>
+          </a:fillRef>
+          <a:effectRef idx="0">
+            <a:schemeClr val="accent1"/>
+          </a:effectRef>
+          <a:fontRef idx="minor">
+            <a:schemeClr val="tx1"/>
+          </a:fontRef>
+        </p:style>
+      </p:cxnSp>
+      <p:sp>
+        <p:nvSpPr>
+          <p:cNvPr id="22" name="TextBox 21"/>
+          <p:cNvSpPr txBox="1"/>
+          <p:nvPr/>
+        </p:nvSpPr>
+        <p:spPr>
+          <a:xfrm>
+            <a:off x="3688868" y="1447800"/>
+            <a:ext cx="2026132" cy="369332"/>
+          </a:xfrm>
+          <a:prstGeom prst="rect">
+            <a:avLst/>
+          </a:prstGeom>
+          <a:noFill/>
+        </p:spPr>
+        <p:txBody>
+          <a:bodyPr wrap="none" rtlCol="0">
+            <a:spAutoFit/>
+          </a:bodyPr>
+          <a:lstStyle/>
+          <a:p>
+            <a:r>
+              <a:rPr lang="en-US" dirty="0"/>
+              <a:t>Relative abundance</a:t>
             </a:r>
           </a:p>
         </p:txBody>
       </p:sp>
     </p:spTree>
-    <p:extLst>
-      <p:ext uri="{BB962C8B-B14F-4D97-AF65-F5344CB8AC3E}">
-        <p14:creationId xmlns:p14="http://schemas.microsoft.com/office/powerpoint/2010/main" val="3863762679"/>
-      </p:ext>
-    </p:extLst>
   </p:cSld>
   <p:clrMapOvr>
     <a:masterClrMapping/>
@@ -4864,8 +5100,8 @@
         </p:nvSpPr>
         <p:spPr>
           <a:xfrm>
-            <a:off x="457200" y="304800"/>
-            <a:ext cx="6012030" cy="369332"/>
+            <a:off x="533400" y="152400"/>
+            <a:ext cx="7335919" cy="369332"/>
           </a:xfrm>
           <a:prstGeom prst="rect">
             <a:avLst/>
@@ -4880,7 +5116,7 @@
           <a:p>
             <a:r>
               <a:rPr lang="en-US" dirty="0"/>
-              <a:t>Ratio space is not necessarily helpful in resolving the problem </a:t>
+              <a:t>But ratio or log-ratio space does not protect you from spurious correlations…</a:t>
             </a:r>
           </a:p>
         </p:txBody>
@@ -4901,8 +5137,8 @@
         </p:blipFill>
         <p:spPr>
           <a:xfrm>
-            <a:off x="304800" y="914400"/>
-            <a:ext cx="6781800" cy="2752410"/>
+            <a:off x="247444" y="685800"/>
+            <a:ext cx="5467556" cy="4648200"/>
           </a:xfrm>
           <a:prstGeom prst="rect">
             <a:avLst/>
@@ -4925,18 +5161,53 @@
         </p:blipFill>
         <p:spPr>
           <a:xfrm>
-            <a:off x="4114800" y="2971800"/>
-            <a:ext cx="3840215" cy="3429000"/>
+            <a:off x="5064296" y="838200"/>
+            <a:ext cx="3774904" cy="3581400"/>
           </a:xfrm>
           <a:prstGeom prst="rect">
             <a:avLst/>
           </a:prstGeom>
         </p:spPr>
       </p:pic>
+      <p:sp>
+        <p:nvSpPr>
+          <p:cNvPr id="5" name="TextBox 4"/>
+          <p:cNvSpPr txBox="1"/>
+          <p:nvPr/>
+        </p:nvSpPr>
+        <p:spPr>
+          <a:xfrm>
+            <a:off x="609600" y="5410200"/>
+            <a:ext cx="7978146" cy="646331"/>
+          </a:xfrm>
+          <a:prstGeom prst="rect">
+            <a:avLst/>
+          </a:prstGeom>
+          <a:noFill/>
+        </p:spPr>
+        <p:txBody>
+          <a:bodyPr wrap="none" rtlCol="0">
+            <a:spAutoFit/>
+          </a:bodyPr>
+          <a:lstStyle/>
+          <a:p>
+            <a:r>
+              <a:rPr lang="en-US" dirty="0"/>
+              <a:t>If you plot a vector against itself, it is a perfect correlation.</a:t>
+            </a:r>
+          </a:p>
+          <a:p>
+            <a:r>
+              <a:rPr lang="en-US" dirty="0"/>
+              <a:t>Multiplying or dividing by random noise, doesn’t change the underlying association.</a:t>
+            </a:r>
+          </a:p>
+        </p:txBody>
+      </p:sp>
     </p:spTree>
     <p:extLst>
       <p:ext uri="{BB962C8B-B14F-4D97-AF65-F5344CB8AC3E}">
-        <p14:creationId xmlns:p14="http://schemas.microsoft.com/office/powerpoint/2010/main" val="3027270291"/>
+        <p14:creationId xmlns:p14="http://schemas.microsoft.com/office/powerpoint/2010/main" val="2377843555"/>
       </p:ext>
     </p:extLst>
   </p:cSld>
@@ -4965,14 +5236,14 @@
       </p:grpSpPr>
       <p:sp>
         <p:nvSpPr>
-          <p:cNvPr id="3" name="TextBox 2"/>
+          <p:cNvPr id="2" name="TextBox 1"/>
           <p:cNvSpPr txBox="1"/>
           <p:nvPr/>
         </p:nvSpPr>
         <p:spPr>
           <a:xfrm>
-            <a:off x="762000" y="76200"/>
-            <a:ext cx="237566" cy="369332"/>
+            <a:off x="152400" y="76200"/>
+            <a:ext cx="9013942" cy="646331"/>
           </a:xfrm>
           <a:prstGeom prst="rect">
             <a:avLst/>
@@ -4987,41 +5258,87 @@
           <a:p>
             <a:r>
               <a:rPr lang="en-US" dirty="0"/>
-              <a:t> </a:t>
+              <a:t>Normalization artifacts can lead to spurious inference in which we know something is changing</a:t>
+            </a:r>
+          </a:p>
+          <a:p>
+            <a:r>
+              <a:rPr lang="en-US" dirty="0"/>
+              <a:t>in our experiment but we don’t know what.</a:t>
             </a:r>
           </a:p>
         </p:txBody>
       </p:sp>
       <p:pic>
         <p:nvPicPr>
-          <p:cNvPr id="104451" name="Picture 3"/>
+          <p:cNvPr id="3" name="Picture 2"/>
           <p:cNvPicPr>
-            <a:picLocks noChangeAspect="1" noChangeArrowheads="1"/>
+            <a:picLocks noChangeAspect="1"/>
           </p:cNvPicPr>
           <p:nvPr/>
         </p:nvPicPr>
         <p:blipFill>
-          <a:blip r:embed="rId2" cstate="print"/>
-          <a:srcRect/>
+          <a:blip r:embed="rId2"/>
           <a:stretch>
             <a:fillRect/>
           </a:stretch>
         </p:blipFill>
-        <p:spPr bwMode="auto">
-          <a:xfrm>
-            <a:off x="162478" y="447675"/>
-            <a:ext cx="8676722" cy="5953125"/>
-          </a:xfrm>
-          <a:prstGeom prst="rect">
-            <a:avLst/>
-          </a:prstGeom>
-          <a:noFill/>
-          <a:ln w="9525">
-            <a:noFill/>
-            <a:miter lim="800000"/>
-            <a:headEnd/>
-            <a:tailEnd/>
-          </a:ln>
+        <p:spPr>
+          <a:xfrm>
+            <a:off x="76200" y="914400"/>
+            <a:ext cx="4826256" cy="1446416"/>
+          </a:xfrm>
+          <a:prstGeom prst="rect">
+            <a:avLst/>
+          </a:prstGeom>
+        </p:spPr>
+      </p:pic>
+      <p:pic>
+        <p:nvPicPr>
+          <p:cNvPr id="4" name="Picture 3"/>
+          <p:cNvPicPr>
+            <a:picLocks noChangeAspect="1"/>
+          </p:cNvPicPr>
+          <p:nvPr/>
+        </p:nvPicPr>
+        <p:blipFill>
+          <a:blip r:embed="rId3"/>
+          <a:stretch>
+            <a:fillRect/>
+          </a:stretch>
+        </p:blipFill>
+        <p:spPr>
+          <a:xfrm>
+            <a:off x="186267" y="2514600"/>
+            <a:ext cx="6041996" cy="3758379"/>
+          </a:xfrm>
+          <a:prstGeom prst="rect">
+            <a:avLst/>
+          </a:prstGeom>
+        </p:spPr>
+      </p:pic>
+      <p:pic>
+        <p:nvPicPr>
+          <p:cNvPr id="5" name="Picture 4"/>
+          <p:cNvPicPr>
+            <a:picLocks noChangeAspect="1"/>
+          </p:cNvPicPr>
+          <p:nvPr/>
+        </p:nvPicPr>
+        <p:blipFill>
+          <a:blip r:embed="rId4"/>
+          <a:stretch>
+            <a:fillRect/>
+          </a:stretch>
+        </p:blipFill>
+        <p:spPr>
+          <a:xfrm>
+            <a:off x="5638800" y="685800"/>
+            <a:ext cx="2825825" cy="2617789"/>
+          </a:xfrm>
+          <a:prstGeom prst="rect">
+            <a:avLst/>
+          </a:prstGeom>
         </p:spPr>
       </p:pic>
       <p:sp>
@@ -5032,8 +5349,8 @@
         </p:nvSpPr>
         <p:spPr>
           <a:xfrm>
-            <a:off x="304800" y="0"/>
-            <a:ext cx="8033994" cy="369332"/>
+            <a:off x="381000" y="6272979"/>
+            <a:ext cx="6787820" cy="369332"/>
           </a:xfrm>
           <a:prstGeom prst="rect">
             <a:avLst/>
@@ -5048,91 +5365,17 @@
           <a:p>
             <a:r>
               <a:rPr lang="en-US" dirty="0"/>
-              <a:t>Cells in the spreadsheet with few counts are largely structured by sequencing depth</a:t>
-            </a:r>
-          </a:p>
-        </p:txBody>
-      </p:sp>
-      <p:sp>
-        <p:nvSpPr>
-          <p:cNvPr id="5" name="Rectangle 4"/>
-          <p:cNvSpPr/>
-          <p:nvPr/>
-        </p:nvSpPr>
-        <p:spPr>
-          <a:xfrm>
-            <a:off x="76200" y="6243935"/>
-            <a:ext cx="10363200" cy="461665"/>
-          </a:xfrm>
-          <a:prstGeom prst="rect">
-            <a:avLst/>
-          </a:prstGeom>
-        </p:spPr>
-        <p:txBody>
-          <a:bodyPr wrap="square">
-            <a:spAutoFit/>
-          </a:bodyPr>
-          <a:lstStyle/>
-          <a:p>
-            <a:endParaRPr lang="en-US" sz="1200" dirty="0">
-              <a:latin typeface="Arial" pitchFamily="34" charset="0"/>
-              <a:cs typeface="Arial" pitchFamily="34" charset="0"/>
-            </a:endParaRPr>
-          </a:p>
-          <a:p>
-            <a:r>
-              <a:rPr lang="en-US" sz="1200" dirty="0">
-                <a:latin typeface="Arial" pitchFamily="34" charset="0"/>
-                <a:cs typeface="Arial" pitchFamily="34" charset="0"/>
-              </a:rPr>
-              <a:t> Source: </a:t>
-            </a:r>
-            <a:r>
-              <a:rPr lang="en-US" sz="1200" dirty="0" err="1">
-                <a:latin typeface="Arial" pitchFamily="34" charset="0"/>
-                <a:cs typeface="Arial" pitchFamily="34" charset="0"/>
-              </a:rPr>
-              <a:t>Gevers</a:t>
-            </a:r>
-            <a:r>
-              <a:rPr lang="en-US" sz="1200" dirty="0">
-                <a:latin typeface="Arial" pitchFamily="34" charset="0"/>
-                <a:cs typeface="Arial" pitchFamily="34" charset="0"/>
-              </a:rPr>
-              <a:t> et al. - The Treatment-Naive </a:t>
-            </a:r>
-            <a:r>
-              <a:rPr lang="en-US" sz="1200" dirty="0" err="1">
-                <a:latin typeface="Arial" pitchFamily="34" charset="0"/>
-                <a:cs typeface="Arial" pitchFamily="34" charset="0"/>
-              </a:rPr>
-              <a:t>Microbiome</a:t>
-            </a:r>
-            <a:r>
-              <a:rPr lang="en-US" sz="1200" dirty="0">
-                <a:latin typeface="Arial" pitchFamily="34" charset="0"/>
-                <a:cs typeface="Arial" pitchFamily="34" charset="0"/>
-              </a:rPr>
-              <a:t> in New-Onset </a:t>
-            </a:r>
-            <a:r>
-              <a:rPr lang="en-US" sz="1200" dirty="0" err="1">
-                <a:latin typeface="Arial" pitchFamily="34" charset="0"/>
-                <a:cs typeface="Arial" pitchFamily="34" charset="0"/>
-              </a:rPr>
-              <a:t>Crohn’s</a:t>
-            </a:r>
-            <a:r>
-              <a:rPr lang="en-US" sz="1200" dirty="0">
-                <a:latin typeface="Arial" pitchFamily="34" charset="0"/>
-                <a:cs typeface="Arial" pitchFamily="34" charset="0"/>
-              </a:rPr>
-              <a:t> Disease - Cell Host Microbe 2014 </a:t>
+              <a:t>Here changes in one taxa induce spurious observed changes in another</a:t>
             </a:r>
           </a:p>
         </p:txBody>
       </p:sp>
     </p:spTree>
+    <p:extLst>
+      <p:ext uri="{BB962C8B-B14F-4D97-AF65-F5344CB8AC3E}">
+        <p14:creationId xmlns:p14="http://schemas.microsoft.com/office/powerpoint/2010/main" val="3863762679"/>
+      </p:ext>
+    </p:extLst>
   </p:cSld>
   <p:clrMapOvr>
     <a:masterClrMapping/>
@@ -5157,231 +5400,89 @@
           <a:chExt cx="0" cy="0"/>
         </a:xfrm>
       </p:grpSpPr>
+      <p:sp>
+        <p:nvSpPr>
+          <p:cNvPr id="2" name="TextBox 1"/>
+          <p:cNvSpPr txBox="1"/>
+          <p:nvPr/>
+        </p:nvSpPr>
+        <p:spPr>
+          <a:xfrm>
+            <a:off x="457200" y="304800"/>
+            <a:ext cx="6012030" cy="369332"/>
+          </a:xfrm>
+          <a:prstGeom prst="rect">
+            <a:avLst/>
+          </a:prstGeom>
+          <a:noFill/>
+        </p:spPr>
+        <p:txBody>
+          <a:bodyPr wrap="none" rtlCol="0">
+            <a:spAutoFit/>
+          </a:bodyPr>
+          <a:lstStyle/>
+          <a:p>
+            <a:r>
+              <a:rPr lang="en-US" dirty="0"/>
+              <a:t>Ratio space is not necessarily helpful in resolving the problem </a:t>
+            </a:r>
+          </a:p>
+        </p:txBody>
+      </p:sp>
       <p:pic>
         <p:nvPicPr>
-          <p:cNvPr id="105474" name="Picture 2"/>
+          <p:cNvPr id="3" name="Picture 2"/>
           <p:cNvPicPr>
-            <a:picLocks noChangeAspect="1" noChangeArrowheads="1"/>
+            <a:picLocks noChangeAspect="1"/>
           </p:cNvPicPr>
           <p:nvPr/>
         </p:nvPicPr>
         <p:blipFill>
-          <a:blip r:embed="rId2" cstate="print"/>
-          <a:srcRect/>
+          <a:blip r:embed="rId2"/>
           <a:stretch>
             <a:fillRect/>
           </a:stretch>
         </p:blipFill>
-        <p:spPr bwMode="auto">
-          <a:xfrm>
-            <a:off x="55662" y="914400"/>
-            <a:ext cx="8859738" cy="4343400"/>
-          </a:xfrm>
-          <a:prstGeom prst="rect">
-            <a:avLst/>
-          </a:prstGeom>
-          <a:noFill/>
-          <a:ln w="9525">
-            <a:noFill/>
-            <a:miter lim="800000"/>
-            <a:headEnd/>
-            <a:tailEnd/>
-          </a:ln>
+        <p:spPr>
+          <a:xfrm>
+            <a:off x="304800" y="914400"/>
+            <a:ext cx="6781800" cy="2752410"/>
+          </a:xfrm>
+          <a:prstGeom prst="rect">
+            <a:avLst/>
+          </a:prstGeom>
         </p:spPr>
       </p:pic>
-      <p:sp>
-        <p:nvSpPr>
-          <p:cNvPr id="3" name="TextBox 2"/>
-          <p:cNvSpPr txBox="1"/>
-          <p:nvPr/>
-        </p:nvSpPr>
-        <p:spPr>
-          <a:xfrm>
-            <a:off x="381000" y="152400"/>
-            <a:ext cx="8045792" cy="369332"/>
-          </a:xfrm>
-          <a:prstGeom prst="rect">
-            <a:avLst/>
-          </a:prstGeom>
-          <a:noFill/>
-        </p:spPr>
-        <p:txBody>
-          <a:bodyPr wrap="none" rtlCol="0">
-            <a:spAutoFit/>
-          </a:bodyPr>
-          <a:lstStyle/>
-          <a:p>
-            <a:r>
-              <a:rPr lang="en-US" dirty="0">
-                <a:latin typeface="Arial" pitchFamily="34" charset="0"/>
-                <a:cs typeface="Arial" pitchFamily="34" charset="0"/>
-              </a:rPr>
-              <a:t>Ordination without normalization leads to dependency of </a:t>
-            </a:r>
-            <a:r>
-              <a:rPr lang="en-US">
-                <a:latin typeface="Arial" pitchFamily="34" charset="0"/>
-                <a:cs typeface="Arial" pitchFamily="34" charset="0"/>
-              </a:rPr>
-              <a:t>sequencing depth…</a:t>
-            </a:r>
-          </a:p>
-        </p:txBody>
-      </p:sp>
-      <p:sp>
-        <p:nvSpPr>
-          <p:cNvPr id="4" name="Rectangle 3"/>
-          <p:cNvSpPr/>
-          <p:nvPr/>
-        </p:nvSpPr>
-        <p:spPr>
-          <a:xfrm>
-            <a:off x="1905000" y="5029200"/>
-            <a:ext cx="1828800" cy="457200"/>
-          </a:xfrm>
-          <a:prstGeom prst="rect">
-            <a:avLst/>
-          </a:prstGeom>
-          <a:solidFill>
-            <a:schemeClr val="bg1"/>
-          </a:solidFill>
-          <a:ln>
-            <a:noFill/>
-          </a:ln>
-        </p:spPr>
-        <p:style>
-          <a:lnRef idx="2">
-            <a:schemeClr val="accent1">
-              <a:shade val="50000"/>
-            </a:schemeClr>
-          </a:lnRef>
-          <a:fillRef idx="1">
-            <a:schemeClr val="accent1"/>
-          </a:fillRef>
-          <a:effectRef idx="0">
-            <a:schemeClr val="accent1"/>
-          </a:effectRef>
-          <a:fontRef idx="minor">
-            <a:schemeClr val="lt1"/>
-          </a:fontRef>
-        </p:style>
-        <p:txBody>
-          <a:bodyPr rtlCol="0" anchor="ctr"/>
-          <a:lstStyle/>
-          <a:p>
-            <a:pPr algn="ctr"/>
-            <a:r>
-              <a:rPr lang="en-US" dirty="0"/>
-              <a:t>log</a:t>
-            </a:r>
-          </a:p>
-        </p:txBody>
-      </p:sp>
-      <p:sp>
-        <p:nvSpPr>
-          <p:cNvPr id="5" name="TextBox 4"/>
-          <p:cNvSpPr txBox="1"/>
-          <p:nvPr/>
-        </p:nvSpPr>
-        <p:spPr>
-          <a:xfrm>
-            <a:off x="1598109" y="4953000"/>
-            <a:ext cx="2973891" cy="369332"/>
-          </a:xfrm>
-          <a:prstGeom prst="rect">
-            <a:avLst/>
-          </a:prstGeom>
-          <a:noFill/>
-        </p:spPr>
-        <p:txBody>
-          <a:bodyPr wrap="none" rtlCol="0">
-            <a:spAutoFit/>
-          </a:bodyPr>
-          <a:lstStyle/>
-          <a:p>
-            <a:r>
-              <a:rPr lang="en-US" dirty="0"/>
-              <a:t>Log10 (number of sequences)</a:t>
-            </a:r>
-          </a:p>
-        </p:txBody>
-      </p:sp>
-      <p:sp>
-        <p:nvSpPr>
-          <p:cNvPr id="6" name="Rectangle 5"/>
-          <p:cNvSpPr/>
-          <p:nvPr/>
-        </p:nvSpPr>
-        <p:spPr>
-          <a:xfrm>
-            <a:off x="6324600" y="5105400"/>
-            <a:ext cx="1295400" cy="304800"/>
-          </a:xfrm>
-          <a:prstGeom prst="rect">
-            <a:avLst/>
-          </a:prstGeom>
-          <a:solidFill>
-            <a:schemeClr val="bg1"/>
-          </a:solidFill>
-          <a:ln>
-            <a:noFill/>
-          </a:ln>
-        </p:spPr>
-        <p:style>
-          <a:lnRef idx="2">
-            <a:schemeClr val="accent1">
-              <a:shade val="50000"/>
-            </a:schemeClr>
-          </a:lnRef>
-          <a:fillRef idx="1">
-            <a:schemeClr val="accent1"/>
-          </a:fillRef>
-          <a:effectRef idx="0">
-            <a:schemeClr val="accent1"/>
-          </a:effectRef>
-          <a:fontRef idx="minor">
-            <a:schemeClr val="lt1"/>
-          </a:fontRef>
-        </p:style>
-        <p:txBody>
-          <a:bodyPr rtlCol="0" anchor="ctr"/>
-          <a:lstStyle/>
-          <a:p>
-            <a:pPr algn="ctr"/>
-            <a:endParaRPr lang="en-US"/>
-          </a:p>
-        </p:txBody>
-      </p:sp>
-      <p:sp>
-        <p:nvSpPr>
-          <p:cNvPr id="8" name="TextBox 7"/>
-          <p:cNvSpPr txBox="1"/>
-          <p:nvPr/>
-        </p:nvSpPr>
-        <p:spPr>
-          <a:xfrm>
-            <a:off x="6183847" y="4964668"/>
-            <a:ext cx="2045753" cy="369332"/>
-          </a:xfrm>
-          <a:prstGeom prst="rect">
-            <a:avLst/>
-          </a:prstGeom>
-          <a:noFill/>
-        </p:spPr>
-        <p:txBody>
-          <a:bodyPr wrap="none" rtlCol="0">
-            <a:spAutoFit/>
-          </a:bodyPr>
-          <a:lstStyle/>
-          <a:p>
-            <a:r>
-              <a:rPr lang="en-US" dirty="0"/>
-              <a:t>Bray-Curtis distance</a:t>
-            </a:r>
-          </a:p>
-        </p:txBody>
-      </p:sp>
+      <p:pic>
+        <p:nvPicPr>
+          <p:cNvPr id="4" name="Picture 3"/>
+          <p:cNvPicPr>
+            <a:picLocks noChangeAspect="1"/>
+          </p:cNvPicPr>
+          <p:nvPr/>
+        </p:nvPicPr>
+        <p:blipFill>
+          <a:blip r:embed="rId3"/>
+          <a:stretch>
+            <a:fillRect/>
+          </a:stretch>
+        </p:blipFill>
+        <p:spPr>
+          <a:xfrm>
+            <a:off x="4114800" y="2971800"/>
+            <a:ext cx="3840215" cy="3429000"/>
+          </a:xfrm>
+          <a:prstGeom prst="rect">
+            <a:avLst/>
+          </a:prstGeom>
+        </p:spPr>
+      </p:pic>
     </p:spTree>
+    <p:extLst>
+      <p:ext uri="{BB962C8B-B14F-4D97-AF65-F5344CB8AC3E}">
+        <p14:creationId xmlns:p14="http://schemas.microsoft.com/office/powerpoint/2010/main" val="3027270291"/>
+      </p:ext>
+    </p:extLst>
   </p:cSld>
   <p:clrMapOvr>
     <a:masterClrMapping/>
@@ -5408,14 +5509,14 @@
       </p:grpSpPr>
       <p:sp>
         <p:nvSpPr>
-          <p:cNvPr id="2" name="TextBox 1"/>
+          <p:cNvPr id="3" name="TextBox 2"/>
           <p:cNvSpPr txBox="1"/>
           <p:nvPr/>
         </p:nvSpPr>
         <p:spPr>
           <a:xfrm>
-            <a:off x="733008" y="76200"/>
-            <a:ext cx="7725192" cy="369332"/>
+            <a:off x="762000" y="76200"/>
+            <a:ext cx="237566" cy="369332"/>
           </a:xfrm>
           <a:prstGeom prst="rect">
             <a:avLst/>
@@ -5429,31 +5530,15 @@
           <a:lstStyle/>
           <a:p>
             <a:r>
-              <a:rPr lang="en-US">
-                <a:solidFill>
-                  <a:srgbClr val="FF0000"/>
-                </a:solidFill>
-                <a:latin typeface="Arial" pitchFamily="34" charset="0"/>
-                <a:cs typeface="Arial" pitchFamily="34" charset="0"/>
-              </a:rPr>
-              <a:t>No </a:t>
-            </a:r>
-            <a:r>
-              <a:rPr lang="en-US" dirty="0">
-                <a:solidFill>
-                  <a:srgbClr val="FF0000"/>
-                </a:solidFill>
-                <a:latin typeface="Arial" pitchFamily="34" charset="0"/>
-                <a:cs typeface="Arial" pitchFamily="34" charset="0"/>
-              </a:rPr>
-              <a:t>normalization scheme eliminates the dependency of sequencing depth</a:t>
+              <a:rPr lang="en-US" dirty="0"/>
+              <a:t> </a:t>
             </a:r>
           </a:p>
         </p:txBody>
       </p:sp>
       <p:pic>
         <p:nvPicPr>
-          <p:cNvPr id="106498" name="Picture 2"/>
+          <p:cNvPr id="104451" name="Picture 3"/>
           <p:cNvPicPr>
             <a:picLocks noChangeAspect="1" noChangeArrowheads="1"/>
           </p:cNvPicPr>
@@ -5468,8 +5553,8 @@
         </p:blipFill>
         <p:spPr bwMode="auto">
           <a:xfrm>
-            <a:off x="1524000" y="476250"/>
-            <a:ext cx="6153150" cy="6153150"/>
+            <a:off x="162478" y="447675"/>
+            <a:ext cx="8676722" cy="5953125"/>
           </a:xfrm>
           <a:prstGeom prst="rect">
             <a:avLst/>
@@ -5483,6 +5568,114 @@
           </a:ln>
         </p:spPr>
       </p:pic>
+      <p:sp>
+        <p:nvSpPr>
+          <p:cNvPr id="6" name="TextBox 5"/>
+          <p:cNvSpPr txBox="1"/>
+          <p:nvPr/>
+        </p:nvSpPr>
+        <p:spPr>
+          <a:xfrm>
+            <a:off x="304800" y="0"/>
+            <a:ext cx="8033994" cy="369332"/>
+          </a:xfrm>
+          <a:prstGeom prst="rect">
+            <a:avLst/>
+          </a:prstGeom>
+          <a:noFill/>
+        </p:spPr>
+        <p:txBody>
+          <a:bodyPr wrap="none" rtlCol="0">
+            <a:spAutoFit/>
+          </a:bodyPr>
+          <a:lstStyle/>
+          <a:p>
+            <a:r>
+              <a:rPr lang="en-US" dirty="0"/>
+              <a:t>Cells in the spreadsheet with few counts are largely structured by sequencing depth</a:t>
+            </a:r>
+          </a:p>
+        </p:txBody>
+      </p:sp>
+      <p:sp>
+        <p:nvSpPr>
+          <p:cNvPr id="5" name="Rectangle 4"/>
+          <p:cNvSpPr/>
+          <p:nvPr/>
+        </p:nvSpPr>
+        <p:spPr>
+          <a:xfrm>
+            <a:off x="76200" y="6243935"/>
+            <a:ext cx="10363200" cy="461665"/>
+          </a:xfrm>
+          <a:prstGeom prst="rect">
+            <a:avLst/>
+          </a:prstGeom>
+        </p:spPr>
+        <p:txBody>
+          <a:bodyPr wrap="square">
+            <a:spAutoFit/>
+          </a:bodyPr>
+          <a:lstStyle/>
+          <a:p>
+            <a:endParaRPr lang="en-US" sz="1200" dirty="0">
+              <a:latin typeface="Arial" pitchFamily="34" charset="0"/>
+              <a:cs typeface="Arial" pitchFamily="34" charset="0"/>
+            </a:endParaRPr>
+          </a:p>
+          <a:p>
+            <a:r>
+              <a:rPr lang="en-US" sz="1200" dirty="0">
+                <a:latin typeface="Arial" pitchFamily="34" charset="0"/>
+                <a:cs typeface="Arial" pitchFamily="34" charset="0"/>
+              </a:rPr>
+              <a:t> Source: </a:t>
+            </a:r>
+            <a:r>
+              <a:rPr lang="en-US" sz="1200" dirty="0" err="1">
+                <a:latin typeface="Arial" pitchFamily="34" charset="0"/>
+                <a:cs typeface="Arial" pitchFamily="34" charset="0"/>
+              </a:rPr>
+              <a:t>Gevers</a:t>
+            </a:r>
+            <a:r>
+              <a:rPr lang="en-US" sz="1200" dirty="0">
+                <a:latin typeface="Arial" pitchFamily="34" charset="0"/>
+                <a:cs typeface="Arial" pitchFamily="34" charset="0"/>
+              </a:rPr>
+              <a:t> et al. - The Treatment-Naive </a:t>
+            </a:r>
+            <a:r>
+              <a:rPr lang="en-US" sz="1200" dirty="0" err="1">
+                <a:latin typeface="Arial" pitchFamily="34" charset="0"/>
+                <a:cs typeface="Arial" pitchFamily="34" charset="0"/>
+              </a:rPr>
+              <a:t>Microbiome</a:t>
+            </a:r>
+            <a:r>
+              <a:rPr lang="en-US" sz="1200" dirty="0">
+                <a:latin typeface="Arial" pitchFamily="34" charset="0"/>
+                <a:cs typeface="Arial" pitchFamily="34" charset="0"/>
+              </a:rPr>
+              <a:t> in New-Onset </a:t>
+            </a:r>
+            <a:r>
+              <a:rPr lang="en-US" sz="1200" dirty="0" err="1">
+                <a:latin typeface="Arial" pitchFamily="34" charset="0"/>
+                <a:cs typeface="Arial" pitchFamily="34" charset="0"/>
+              </a:rPr>
+              <a:t>Crohn’s</a:t>
+            </a:r>
+            <a:r>
+              <a:rPr lang="en-US" sz="1200" dirty="0">
+                <a:latin typeface="Arial" pitchFamily="34" charset="0"/>
+                <a:cs typeface="Arial" pitchFamily="34" charset="0"/>
+              </a:rPr>
+              <a:t> Disease - Cell Host Microbe 2014 </a:t>
+            </a:r>
+          </a:p>
+        </p:txBody>
+      </p:sp>
     </p:spTree>
   </p:cSld>
   <p:clrMapOvr>
@@ -5508,138 +5701,12 @@
           <a:chExt cx="0" cy="0"/>
         </a:xfrm>
       </p:grpSpPr>
-      <p:sp>
-        <p:nvSpPr>
-          <p:cNvPr id="4" name="TextBox 3"/>
-          <p:cNvSpPr txBox="1"/>
-          <p:nvPr/>
-        </p:nvSpPr>
-        <p:spPr>
-          <a:xfrm>
-            <a:off x="1119788" y="304800"/>
-            <a:ext cx="5814412" cy="369332"/>
-          </a:xfrm>
-          <a:prstGeom prst="rect">
-            <a:avLst/>
-          </a:prstGeom>
-          <a:noFill/>
-        </p:spPr>
-        <p:txBody>
-          <a:bodyPr wrap="none" rtlCol="0">
-            <a:spAutoFit/>
-          </a:bodyPr>
-          <a:lstStyle/>
-          <a:p>
-            <a:r>
-              <a:rPr lang="en-US" dirty="0">
-                <a:solidFill>
-                  <a:srgbClr val="FF0000"/>
-                </a:solidFill>
-                <a:latin typeface="Arial" pitchFamily="34" charset="0"/>
-                <a:cs typeface="Arial" pitchFamily="34" charset="0"/>
-              </a:rPr>
-              <a:t>Can we fairly compare high and low biomass samples?</a:t>
-            </a:r>
-          </a:p>
-        </p:txBody>
-      </p:sp>
-      <p:pic>
-        <p:nvPicPr>
-          <p:cNvPr id="1026" name="Picture 2"/>
-          <p:cNvPicPr>
-            <a:picLocks noChangeAspect="1" noChangeArrowheads="1"/>
-          </p:cNvPicPr>
-          <p:nvPr/>
-        </p:nvPicPr>
-        <p:blipFill>
-          <a:blip r:embed="rId2" cstate="print"/>
-          <a:srcRect/>
-          <a:stretch>
-            <a:fillRect/>
-          </a:stretch>
-        </p:blipFill>
-        <p:spPr bwMode="auto">
-          <a:xfrm>
-            <a:off x="1066800" y="1529988"/>
-            <a:ext cx="3581401" cy="3346812"/>
-          </a:xfrm>
-          <a:prstGeom prst="rect">
-            <a:avLst/>
-          </a:prstGeom>
-          <a:noFill/>
-          <a:ln w="9525">
-            <a:noFill/>
-            <a:miter lim="800000"/>
-            <a:headEnd/>
-            <a:tailEnd/>
-          </a:ln>
-        </p:spPr>
-      </p:pic>
-      <p:sp>
-        <p:nvSpPr>
-          <p:cNvPr id="7" name="TextBox 6"/>
-          <p:cNvSpPr txBox="1"/>
-          <p:nvPr/>
-        </p:nvSpPr>
-        <p:spPr>
-          <a:xfrm flipH="1">
-            <a:off x="4876800" y="2971800"/>
-            <a:ext cx="1325881" cy="523220"/>
-          </a:xfrm>
-          <a:prstGeom prst="rect">
-            <a:avLst/>
-          </a:prstGeom>
-          <a:noFill/>
-        </p:spPr>
-        <p:txBody>
-          <a:bodyPr wrap="square" rtlCol="0">
-            <a:spAutoFit/>
-          </a:bodyPr>
-          <a:lstStyle/>
-          <a:p>
-            <a:r>
-              <a:rPr lang="en-US" sz="2800" dirty="0">
-                <a:latin typeface="Arial" pitchFamily="34" charset="0"/>
-                <a:cs typeface="Arial" pitchFamily="34" charset="0"/>
-              </a:rPr>
-              <a:t>VS.</a:t>
-            </a:r>
-          </a:p>
-        </p:txBody>
-      </p:sp>
-      <p:pic>
-        <p:nvPicPr>
-          <p:cNvPr id="9" name="Picture 2"/>
-          <p:cNvPicPr>
-            <a:picLocks noChangeAspect="1" noChangeArrowheads="1"/>
-          </p:cNvPicPr>
-          <p:nvPr/>
-        </p:nvPicPr>
-        <p:blipFill>
-          <a:blip r:embed="rId3" cstate="print"/>
-          <a:srcRect/>
-          <a:stretch>
-            <a:fillRect/>
-          </a:stretch>
-        </p:blipFill>
-        <p:spPr bwMode="auto">
-          <a:xfrm>
-            <a:off x="6303235" y="3124200"/>
-            <a:ext cx="326165" cy="304800"/>
-          </a:xfrm>
-          <a:prstGeom prst="rect">
-            <a:avLst/>
-          </a:prstGeom>
-          <a:noFill/>
-          <a:ln w="9525">
-            <a:noFill/>
-            <a:miter lim="800000"/>
-            <a:headEnd/>
-            <a:tailEnd/>
-          </a:ln>
-        </p:spPr>
-      </p:pic>
     </p:spTree>
+    <p:extLst>
+      <p:ext uri="{BB962C8B-B14F-4D97-AF65-F5344CB8AC3E}">
+        <p14:creationId xmlns:p14="http://schemas.microsoft.com/office/powerpoint/2010/main" val="4054817921"/>
+      </p:ext>
+    </p:extLst>
   </p:cSld>
   <p:clrMapOvr>
     <a:masterClrMapping/>
@@ -5666,7 +5733,7 @@
       </p:grpSpPr>
       <p:pic>
         <p:nvPicPr>
-          <p:cNvPr id="4098" name="Picture 2"/>
+          <p:cNvPr id="105474" name="Picture 2"/>
           <p:cNvPicPr>
             <a:picLocks noChangeAspect="1" noChangeArrowheads="1"/>
           </p:cNvPicPr>
@@ -5681,8 +5748,8 @@
         </p:blipFill>
         <p:spPr bwMode="auto">
           <a:xfrm>
-            <a:off x="762000" y="1143000"/>
-            <a:ext cx="7200900" cy="5029200"/>
+            <a:off x="55662" y="914400"/>
+            <a:ext cx="8859738" cy="4343400"/>
           </a:xfrm>
           <a:prstGeom prst="rect">
             <a:avLst/>
@@ -5698,14 +5765,14 @@
       </p:pic>
       <p:sp>
         <p:nvSpPr>
-          <p:cNvPr id="6" name="TextBox 5"/>
+          <p:cNvPr id="3" name="TextBox 2"/>
           <p:cNvSpPr txBox="1"/>
           <p:nvPr/>
         </p:nvSpPr>
         <p:spPr>
           <a:xfrm>
-            <a:off x="838200" y="76200"/>
-            <a:ext cx="8615892" cy="646331"/>
+            <a:off x="381000" y="152400"/>
+            <a:ext cx="8045792" cy="369332"/>
           </a:xfrm>
           <a:prstGeom prst="rect">
             <a:avLst/>
@@ -5713,89 +5780,177 @@
           <a:noFill/>
         </p:spPr>
         <p:txBody>
-          <a:bodyPr wrap="square" rtlCol="0">
+          <a:bodyPr wrap="none" rtlCol="0">
             <a:spAutoFit/>
           </a:bodyPr>
           <a:lstStyle/>
           <a:p>
             <a:r>
               <a:rPr lang="en-US" dirty="0">
-                <a:solidFill>
-                  <a:srgbClr val="FF0000"/>
-                </a:solidFill>
                 <a:latin typeface="Arial" pitchFamily="34" charset="0"/>
                 <a:cs typeface="Arial" pitchFamily="34" charset="0"/>
               </a:rPr>
-              <a:t>No normalization scheme eliminates compositional dependencies </a:t>
-            </a:r>
-          </a:p>
-          <a:p>
-            <a:endParaRPr lang="en-US" dirty="0"/>
-          </a:p>
-        </p:txBody>
-      </p:sp>
-      <p:sp>
-        <p:nvSpPr>
-          <p:cNvPr id="7" name="Rectangle 6"/>
-          <p:cNvSpPr/>
-          <p:nvPr/>
-        </p:nvSpPr>
-        <p:spPr>
-          <a:xfrm>
-            <a:off x="914400" y="6172200"/>
-            <a:ext cx="9601200" cy="646331"/>
-          </a:xfrm>
-          <a:prstGeom prst="rect">
-            <a:avLst/>
-          </a:prstGeom>
-        </p:spPr>
-        <p:txBody>
-          <a:bodyPr wrap="square">
-            <a:spAutoFit/>
-          </a:bodyPr>
-          <a:lstStyle/>
-          <a:p>
-            <a:r>
-              <a:rPr lang="en-US" dirty="0">
-                <a:solidFill>
-                  <a:srgbClr val="FF0000"/>
-                </a:solidFill>
+              <a:t>Ordination without normalization leads to dependency of </a:t>
+            </a:r>
+            <a:r>
+              <a:rPr lang="en-US">
                 <a:latin typeface="Arial" pitchFamily="34" charset="0"/>
                 <a:cs typeface="Arial" pitchFamily="34" charset="0"/>
               </a:rPr>
-              <a:t>Bioinformatics pipelines for 16S </a:t>
-            </a:r>
-            <a:r>
-              <a:rPr lang="en-US" dirty="0" err="1">
-                <a:solidFill>
-                  <a:srgbClr val="FF0000"/>
-                </a:solidFill>
-                <a:latin typeface="Arial" pitchFamily="34" charset="0"/>
-                <a:cs typeface="Arial" pitchFamily="34" charset="0"/>
-              </a:rPr>
-              <a:t>rRNA</a:t>
-            </a:r>
-            <a:r>
-              <a:rPr lang="en-US" dirty="0">
-                <a:solidFill>
-                  <a:srgbClr val="FF0000"/>
-                </a:solidFill>
-                <a:latin typeface="Arial" pitchFamily="34" charset="0"/>
-                <a:cs typeface="Arial" pitchFamily="34" charset="0"/>
-              </a:rPr>
-              <a:t> might consider explicitly tracking the </a:t>
-            </a:r>
-          </a:p>
-          <a:p>
-            <a:r>
-              <a:rPr lang="en-US" dirty="0">
-                <a:solidFill>
-                  <a:srgbClr val="FF0000"/>
-                </a:solidFill>
-                <a:latin typeface="Arial" pitchFamily="34" charset="0"/>
-                <a:cs typeface="Arial" pitchFamily="34" charset="0"/>
-              </a:rPr>
-              <a:t>   number of sequences per samples as a potential confounder…</a:t>
+              <a:t>sequencing depth…</a:t>
+            </a:r>
+          </a:p>
+        </p:txBody>
+      </p:sp>
+      <p:sp>
+        <p:nvSpPr>
+          <p:cNvPr id="4" name="Rectangle 3"/>
+          <p:cNvSpPr/>
+          <p:nvPr/>
+        </p:nvSpPr>
+        <p:spPr>
+          <a:xfrm>
+            <a:off x="1905000" y="5029200"/>
+            <a:ext cx="1828800" cy="457200"/>
+          </a:xfrm>
+          <a:prstGeom prst="rect">
+            <a:avLst/>
+          </a:prstGeom>
+          <a:solidFill>
+            <a:schemeClr val="bg1"/>
+          </a:solidFill>
+          <a:ln>
+            <a:noFill/>
+          </a:ln>
+        </p:spPr>
+        <p:style>
+          <a:lnRef idx="2">
+            <a:schemeClr val="accent1">
+              <a:shade val="50000"/>
+            </a:schemeClr>
+          </a:lnRef>
+          <a:fillRef idx="1">
+            <a:schemeClr val="accent1"/>
+          </a:fillRef>
+          <a:effectRef idx="0">
+            <a:schemeClr val="accent1"/>
+          </a:effectRef>
+          <a:fontRef idx="minor">
+            <a:schemeClr val="lt1"/>
+          </a:fontRef>
+        </p:style>
+        <p:txBody>
+          <a:bodyPr rtlCol="0" anchor="ctr"/>
+          <a:lstStyle/>
+          <a:p>
+            <a:pPr algn="ctr"/>
+            <a:r>
+              <a:rPr lang="en-US" dirty="0"/>
+              <a:t>log</a:t>
+            </a:r>
+          </a:p>
+        </p:txBody>
+      </p:sp>
+      <p:sp>
+        <p:nvSpPr>
+          <p:cNvPr id="5" name="TextBox 4"/>
+          <p:cNvSpPr txBox="1"/>
+          <p:nvPr/>
+        </p:nvSpPr>
+        <p:spPr>
+          <a:xfrm>
+            <a:off x="1598109" y="4953000"/>
+            <a:ext cx="2973891" cy="369332"/>
+          </a:xfrm>
+          <a:prstGeom prst="rect">
+            <a:avLst/>
+          </a:prstGeom>
+          <a:noFill/>
+        </p:spPr>
+        <p:txBody>
+          <a:bodyPr wrap="none" rtlCol="0">
+            <a:spAutoFit/>
+          </a:bodyPr>
+          <a:lstStyle/>
+          <a:p>
+            <a:r>
+              <a:rPr lang="en-US" dirty="0"/>
+              <a:t>Log10 (number of sequences)</a:t>
+            </a:r>
+          </a:p>
+        </p:txBody>
+      </p:sp>
+      <p:sp>
+        <p:nvSpPr>
+          <p:cNvPr id="6" name="Rectangle 5"/>
+          <p:cNvSpPr/>
+          <p:nvPr/>
+        </p:nvSpPr>
+        <p:spPr>
+          <a:xfrm>
+            <a:off x="6324600" y="5105400"/>
+            <a:ext cx="1295400" cy="304800"/>
+          </a:xfrm>
+          <a:prstGeom prst="rect">
+            <a:avLst/>
+          </a:prstGeom>
+          <a:solidFill>
+            <a:schemeClr val="bg1"/>
+          </a:solidFill>
+          <a:ln>
+            <a:noFill/>
+          </a:ln>
+        </p:spPr>
+        <p:style>
+          <a:lnRef idx="2">
+            <a:schemeClr val="accent1">
+              <a:shade val="50000"/>
+            </a:schemeClr>
+          </a:lnRef>
+          <a:fillRef idx="1">
+            <a:schemeClr val="accent1"/>
+          </a:fillRef>
+          <a:effectRef idx="0">
+            <a:schemeClr val="accent1"/>
+          </a:effectRef>
+          <a:fontRef idx="minor">
+            <a:schemeClr val="lt1"/>
+          </a:fontRef>
+        </p:style>
+        <p:txBody>
+          <a:bodyPr rtlCol="0" anchor="ctr"/>
+          <a:lstStyle/>
+          <a:p>
+            <a:pPr algn="ctr"/>
+            <a:endParaRPr lang="en-US"/>
+          </a:p>
+        </p:txBody>
+      </p:sp>
+      <p:sp>
+        <p:nvSpPr>
+          <p:cNvPr id="8" name="TextBox 7"/>
+          <p:cNvSpPr txBox="1"/>
+          <p:nvPr/>
+        </p:nvSpPr>
+        <p:spPr>
+          <a:xfrm>
+            <a:off x="6183847" y="4964668"/>
+            <a:ext cx="2045753" cy="369332"/>
+          </a:xfrm>
+          <a:prstGeom prst="rect">
+            <a:avLst/>
+          </a:prstGeom>
+          <a:noFill/>
+        </p:spPr>
+        <p:txBody>
+          <a:bodyPr wrap="none" rtlCol="0">
+            <a:spAutoFit/>
+          </a:bodyPr>
+          <a:lstStyle/>
+          <a:p>
+            <a:r>
+              <a:rPr lang="en-US" dirty="0"/>
+              <a:t>Bray-Curtis distance</a:t>
             </a:r>
           </a:p>
         </p:txBody>
@@ -5809,6 +5964,269 @@
 </file>
 
 <file path=ppt/slides/slide21.xml><?xml version="1.0" encoding="utf-8"?>
+<p:sld xmlns:a="http://schemas.openxmlformats.org/drawingml/2006/main" xmlns:r="http://schemas.openxmlformats.org/officeDocument/2006/relationships" xmlns:p="http://schemas.openxmlformats.org/presentationml/2006/main">
+  <p:cSld>
+    <p:spTree>
+      <p:nvGrpSpPr>
+        <p:cNvPr id="1" name=""/>
+        <p:cNvGrpSpPr/>
+        <p:nvPr/>
+      </p:nvGrpSpPr>
+      <p:grpSpPr>
+        <a:xfrm>
+          <a:off x="0" y="0"/>
+          <a:ext cx="0" cy="0"/>
+          <a:chOff x="0" y="0"/>
+          <a:chExt cx="0" cy="0"/>
+        </a:xfrm>
+      </p:grpSpPr>
+      <p:sp>
+        <p:nvSpPr>
+          <p:cNvPr id="2" name="TextBox 1"/>
+          <p:cNvSpPr txBox="1"/>
+          <p:nvPr/>
+        </p:nvSpPr>
+        <p:spPr>
+          <a:xfrm>
+            <a:off x="733008" y="76200"/>
+            <a:ext cx="7725192" cy="369332"/>
+          </a:xfrm>
+          <a:prstGeom prst="rect">
+            <a:avLst/>
+          </a:prstGeom>
+          <a:noFill/>
+        </p:spPr>
+        <p:txBody>
+          <a:bodyPr wrap="none" rtlCol="0">
+            <a:spAutoFit/>
+          </a:bodyPr>
+          <a:lstStyle/>
+          <a:p>
+            <a:r>
+              <a:rPr lang="en-US">
+                <a:solidFill>
+                  <a:srgbClr val="FF0000"/>
+                </a:solidFill>
+                <a:latin typeface="Arial" pitchFamily="34" charset="0"/>
+                <a:cs typeface="Arial" pitchFamily="34" charset="0"/>
+              </a:rPr>
+              <a:t>No </a:t>
+            </a:r>
+            <a:r>
+              <a:rPr lang="en-US" dirty="0">
+                <a:solidFill>
+                  <a:srgbClr val="FF0000"/>
+                </a:solidFill>
+                <a:latin typeface="Arial" pitchFamily="34" charset="0"/>
+                <a:cs typeface="Arial" pitchFamily="34" charset="0"/>
+              </a:rPr>
+              <a:t>normalization scheme eliminates the dependency of sequencing depth</a:t>
+            </a:r>
+          </a:p>
+        </p:txBody>
+      </p:sp>
+      <p:pic>
+        <p:nvPicPr>
+          <p:cNvPr id="106498" name="Picture 2"/>
+          <p:cNvPicPr>
+            <a:picLocks noChangeAspect="1" noChangeArrowheads="1"/>
+          </p:cNvPicPr>
+          <p:nvPr/>
+        </p:nvPicPr>
+        <p:blipFill>
+          <a:blip r:embed="rId2" cstate="print"/>
+          <a:srcRect/>
+          <a:stretch>
+            <a:fillRect/>
+          </a:stretch>
+        </p:blipFill>
+        <p:spPr bwMode="auto">
+          <a:xfrm>
+            <a:off x="1524000" y="476250"/>
+            <a:ext cx="6153150" cy="6153150"/>
+          </a:xfrm>
+          <a:prstGeom prst="rect">
+            <a:avLst/>
+          </a:prstGeom>
+          <a:noFill/>
+          <a:ln w="9525">
+            <a:noFill/>
+            <a:miter lim="800000"/>
+            <a:headEnd/>
+            <a:tailEnd/>
+          </a:ln>
+        </p:spPr>
+      </p:pic>
+    </p:spTree>
+  </p:cSld>
+  <p:clrMapOvr>
+    <a:masterClrMapping/>
+  </p:clrMapOvr>
+</p:sld>
+</file>
+
+<file path=ppt/slides/slide22.xml><?xml version="1.0" encoding="utf-8"?>
+<p:sld xmlns:a="http://schemas.openxmlformats.org/drawingml/2006/main" xmlns:r="http://schemas.openxmlformats.org/officeDocument/2006/relationships" xmlns:p="http://schemas.openxmlformats.org/presentationml/2006/main">
+  <p:cSld>
+    <p:spTree>
+      <p:nvGrpSpPr>
+        <p:cNvPr id="1" name=""/>
+        <p:cNvGrpSpPr/>
+        <p:nvPr/>
+      </p:nvGrpSpPr>
+      <p:grpSpPr>
+        <a:xfrm>
+          <a:off x="0" y="0"/>
+          <a:ext cx="0" cy="0"/>
+          <a:chOff x="0" y="0"/>
+          <a:chExt cx="0" cy="0"/>
+        </a:xfrm>
+      </p:grpSpPr>
+      <p:pic>
+        <p:nvPicPr>
+          <p:cNvPr id="4098" name="Picture 2"/>
+          <p:cNvPicPr>
+            <a:picLocks noChangeAspect="1" noChangeArrowheads="1"/>
+          </p:cNvPicPr>
+          <p:nvPr/>
+        </p:nvPicPr>
+        <p:blipFill>
+          <a:blip r:embed="rId2" cstate="print"/>
+          <a:srcRect/>
+          <a:stretch>
+            <a:fillRect/>
+          </a:stretch>
+        </p:blipFill>
+        <p:spPr bwMode="auto">
+          <a:xfrm>
+            <a:off x="762000" y="1143000"/>
+            <a:ext cx="7200900" cy="5029200"/>
+          </a:xfrm>
+          <a:prstGeom prst="rect">
+            <a:avLst/>
+          </a:prstGeom>
+          <a:noFill/>
+          <a:ln w="9525">
+            <a:noFill/>
+            <a:miter lim="800000"/>
+            <a:headEnd/>
+            <a:tailEnd/>
+          </a:ln>
+        </p:spPr>
+      </p:pic>
+      <p:sp>
+        <p:nvSpPr>
+          <p:cNvPr id="6" name="TextBox 5"/>
+          <p:cNvSpPr txBox="1"/>
+          <p:nvPr/>
+        </p:nvSpPr>
+        <p:spPr>
+          <a:xfrm>
+            <a:off x="838200" y="76200"/>
+            <a:ext cx="8615892" cy="646331"/>
+          </a:xfrm>
+          <a:prstGeom prst="rect">
+            <a:avLst/>
+          </a:prstGeom>
+          <a:noFill/>
+        </p:spPr>
+        <p:txBody>
+          <a:bodyPr wrap="square" rtlCol="0">
+            <a:spAutoFit/>
+          </a:bodyPr>
+          <a:lstStyle/>
+          <a:p>
+            <a:r>
+              <a:rPr lang="en-US" dirty="0">
+                <a:solidFill>
+                  <a:srgbClr val="FF0000"/>
+                </a:solidFill>
+                <a:latin typeface="Arial" pitchFamily="34" charset="0"/>
+                <a:cs typeface="Arial" pitchFamily="34" charset="0"/>
+              </a:rPr>
+              <a:t>No normalization scheme eliminates compositional dependencies </a:t>
+            </a:r>
+          </a:p>
+          <a:p>
+            <a:endParaRPr lang="en-US" dirty="0"/>
+          </a:p>
+        </p:txBody>
+      </p:sp>
+      <p:sp>
+        <p:nvSpPr>
+          <p:cNvPr id="7" name="Rectangle 6"/>
+          <p:cNvSpPr/>
+          <p:nvPr/>
+        </p:nvSpPr>
+        <p:spPr>
+          <a:xfrm>
+            <a:off x="914400" y="6172200"/>
+            <a:ext cx="9601200" cy="646331"/>
+          </a:xfrm>
+          <a:prstGeom prst="rect">
+            <a:avLst/>
+          </a:prstGeom>
+        </p:spPr>
+        <p:txBody>
+          <a:bodyPr wrap="square">
+            <a:spAutoFit/>
+          </a:bodyPr>
+          <a:lstStyle/>
+          <a:p>
+            <a:r>
+              <a:rPr lang="en-US" dirty="0">
+                <a:solidFill>
+                  <a:srgbClr val="FF0000"/>
+                </a:solidFill>
+                <a:latin typeface="Arial" pitchFamily="34" charset="0"/>
+                <a:cs typeface="Arial" pitchFamily="34" charset="0"/>
+              </a:rPr>
+              <a:t>Bioinformatics pipelines for 16S </a:t>
+            </a:r>
+            <a:r>
+              <a:rPr lang="en-US" dirty="0" err="1">
+                <a:solidFill>
+                  <a:srgbClr val="FF0000"/>
+                </a:solidFill>
+                <a:latin typeface="Arial" pitchFamily="34" charset="0"/>
+                <a:cs typeface="Arial" pitchFamily="34" charset="0"/>
+              </a:rPr>
+              <a:t>rRNA</a:t>
+            </a:r>
+            <a:r>
+              <a:rPr lang="en-US" dirty="0">
+                <a:solidFill>
+                  <a:srgbClr val="FF0000"/>
+                </a:solidFill>
+                <a:latin typeface="Arial" pitchFamily="34" charset="0"/>
+                <a:cs typeface="Arial" pitchFamily="34" charset="0"/>
+              </a:rPr>
+              <a:t> might consider explicitly tracking the </a:t>
+            </a:r>
+          </a:p>
+          <a:p>
+            <a:r>
+              <a:rPr lang="en-US" dirty="0">
+                <a:solidFill>
+                  <a:srgbClr val="FF0000"/>
+                </a:solidFill>
+                <a:latin typeface="Arial" pitchFamily="34" charset="0"/>
+                <a:cs typeface="Arial" pitchFamily="34" charset="0"/>
+              </a:rPr>
+              <a:t>   number of sequences per samples as a potential confounder…</a:t>
+            </a:r>
+          </a:p>
+        </p:txBody>
+      </p:sp>
+    </p:spTree>
+  </p:cSld>
+  <p:clrMapOvr>
+    <a:masterClrMapping/>
+  </p:clrMapOvr>
+</p:sld>
+</file>
+
+<file path=ppt/slides/slide23.xml><?xml version="1.0" encoding="utf-8"?>
 <p:sld xmlns:a="http://schemas.openxmlformats.org/drawingml/2006/main" xmlns:r="http://schemas.openxmlformats.org/officeDocument/2006/relationships" xmlns:p="http://schemas.openxmlformats.org/presentationml/2006/main">
   <p:cSld>
     <p:spTree>
@@ -6205,7 +6623,7 @@
 </p:sld>
 </file>
 
-<file path=ppt/slides/slide22.xml><?xml version="1.0" encoding="utf-8"?>
+<file path=ppt/slides/slide24.xml><?xml version="1.0" encoding="utf-8"?>
 <p:sld xmlns:a="http://schemas.openxmlformats.org/drawingml/2006/main" xmlns:r="http://schemas.openxmlformats.org/officeDocument/2006/relationships" xmlns:p="http://schemas.openxmlformats.org/presentationml/2006/main">
   <p:cSld>
     <p:spTree>
@@ -8526,7 +8944,7 @@
 </p:sld>
 </file>
 
-<file path=ppt/slides/slide23.xml><?xml version="1.0" encoding="utf-8"?>
+<file path=ppt/slides/slide25.xml><?xml version="1.0" encoding="utf-8"?>
 <p:sld xmlns:a="http://schemas.openxmlformats.org/drawingml/2006/main" xmlns:r="http://schemas.openxmlformats.org/officeDocument/2006/relationships" xmlns:p="http://schemas.openxmlformats.org/presentationml/2006/main">
   <p:cSld>
     <p:spTree>
@@ -8676,7 +9094,7 @@
 </p:sld>
 </file>
 
-<file path=ppt/slides/slide24.xml><?xml version="1.0" encoding="utf-8"?>
+<file path=ppt/slides/slide26.xml><?xml version="1.0" encoding="utf-8"?>
 <p:sld xmlns:a="http://schemas.openxmlformats.org/drawingml/2006/main" xmlns:r="http://schemas.openxmlformats.org/officeDocument/2006/relationships" xmlns:p="http://schemas.openxmlformats.org/presentationml/2006/main">
   <p:cSld>
     <p:spTree>
@@ -8890,14 +9308,14 @@
       </p:grpSpPr>
       <p:sp>
         <p:nvSpPr>
-          <p:cNvPr id="4" name="TextBox 3"/>
+          <p:cNvPr id="2" name="TextBox 1"/>
           <p:cNvSpPr txBox="1"/>
           <p:nvPr/>
         </p:nvSpPr>
         <p:spPr>
           <a:xfrm>
-            <a:off x="228600" y="11668"/>
-            <a:ext cx="6429965" cy="369332"/>
+            <a:off x="685800" y="457200"/>
+            <a:ext cx="3910366" cy="1200329"/>
           </a:xfrm>
           <a:prstGeom prst="rect">
             <a:avLst/>
@@ -8910,132 +9328,56 @@
           </a:bodyPr>
           <a:lstStyle/>
           <a:p>
-            <a:r>
-              <a:rPr lang="en-US" dirty="0">
-                <a:solidFill>
-                  <a:srgbClr val="FF0000"/>
-                </a:solidFill>
-                <a:latin typeface="Arial" pitchFamily="34" charset="0"/>
-                <a:cs typeface="Arial" pitchFamily="34" charset="0"/>
-              </a:rPr>
-              <a:t>Low abundance samples are inherently challenging to survey</a:t>
-            </a:r>
+            <a:endParaRPr lang="en-US" dirty="0"/>
+          </a:p>
+          <a:p>
+            <a:r>
+              <a:rPr lang="en-US" dirty="0"/>
+              <a:t>For background a recent review paper…</a:t>
+            </a:r>
+          </a:p>
+          <a:p>
+            <a:endParaRPr lang="en-US" dirty="0"/>
+          </a:p>
+          <a:p>
+            <a:endParaRPr lang="en-US" dirty="0"/>
           </a:p>
         </p:txBody>
       </p:sp>
       <p:pic>
         <p:nvPicPr>
-          <p:cNvPr id="1026" name="Picture 2"/>
+          <p:cNvPr id="3" name="Picture 2"/>
           <p:cNvPicPr>
-            <a:picLocks noChangeAspect="1" noChangeArrowheads="1"/>
+            <a:picLocks noChangeAspect="1"/>
           </p:cNvPicPr>
           <p:nvPr/>
         </p:nvPicPr>
         <p:blipFill>
-          <a:blip r:embed="rId2" cstate="print"/>
-          <a:srcRect/>
+          <a:blip r:embed="rId2"/>
           <a:stretch>
             <a:fillRect/>
           </a:stretch>
         </p:blipFill>
-        <p:spPr bwMode="auto">
-          <a:xfrm>
-            <a:off x="990600" y="533399"/>
-            <a:ext cx="7848599" cy="5543651"/>
-          </a:xfrm>
-          <a:prstGeom prst="rect">
-            <a:avLst/>
-          </a:prstGeom>
-          <a:noFill/>
-          <a:ln w="9525">
-            <a:noFill/>
-            <a:miter lim="800000"/>
-            <a:headEnd/>
-            <a:tailEnd/>
-          </a:ln>
+        <p:spPr>
+          <a:xfrm>
+            <a:off x="682010" y="1905000"/>
+            <a:ext cx="7772400" cy="1524000"/>
+          </a:xfrm>
+          <a:prstGeom prst="rect">
+            <a:avLst/>
+          </a:prstGeom>
         </p:spPr>
       </p:pic>
-      <p:cxnSp>
-        <p:nvCxnSpPr>
-          <p:cNvPr id="7" name="Straight Arrow Connector 6"/>
-          <p:cNvCxnSpPr/>
-          <p:nvPr/>
-        </p:nvCxnSpPr>
-        <p:spPr>
-          <a:xfrm>
-            <a:off x="4191000" y="6096000"/>
-            <a:ext cx="2667000" cy="0"/>
-          </a:xfrm>
-          <a:prstGeom prst="straightConnector1">
-            <a:avLst/>
-          </a:prstGeom>
-          <a:ln w="38100">
-            <a:solidFill>
-              <a:schemeClr val="tx1"/>
-            </a:solidFill>
-            <a:tailEnd type="arrow"/>
-          </a:ln>
-        </p:spPr>
-        <p:style>
-          <a:lnRef idx="1">
-            <a:schemeClr val="accent1"/>
-          </a:lnRef>
-          <a:fillRef idx="0">
-            <a:schemeClr val="accent1"/>
-          </a:fillRef>
-          <a:effectRef idx="0">
-            <a:schemeClr val="accent1"/>
-          </a:effectRef>
-          <a:fontRef idx="minor">
-            <a:schemeClr val="tx1"/>
-          </a:fontRef>
-        </p:style>
-      </p:cxnSp>
-      <p:sp>
-        <p:nvSpPr>
-          <p:cNvPr id="8" name="TextBox 7"/>
-          <p:cNvSpPr txBox="1"/>
-          <p:nvPr/>
-        </p:nvSpPr>
-        <p:spPr>
-          <a:xfrm>
-            <a:off x="4865315" y="6096000"/>
-            <a:ext cx="1866217" cy="400110"/>
-          </a:xfrm>
-          <a:prstGeom prst="rect">
-            <a:avLst/>
-          </a:prstGeom>
-          <a:noFill/>
-        </p:spPr>
-        <p:txBody>
-          <a:bodyPr wrap="none" rtlCol="0">
-            <a:spAutoFit/>
-          </a:bodyPr>
-          <a:lstStyle/>
-          <a:p>
-            <a:r>
-              <a:rPr lang="en-US" sz="2000" dirty="0">
-                <a:solidFill>
-                  <a:srgbClr val="FF0000"/>
-                </a:solidFill>
-                <a:latin typeface="Arial" pitchFamily="34" charset="0"/>
-                <a:cs typeface="Arial" pitchFamily="34" charset="0"/>
-              </a:rPr>
-              <a:t>Less abundant</a:t>
-            </a:r>
-          </a:p>
-        </p:txBody>
-      </p:sp>
-      <p:sp>
-        <p:nvSpPr>
-          <p:cNvPr id="9" name="Rectangle 8"/>
+      <p:sp>
+        <p:nvSpPr>
+          <p:cNvPr id="4" name="Rectangle 3"/>
           <p:cNvSpPr/>
           <p:nvPr/>
         </p:nvSpPr>
         <p:spPr>
           <a:xfrm>
-            <a:off x="457200" y="6396335"/>
-            <a:ext cx="11201400" cy="461665"/>
+            <a:off x="682010" y="4905375"/>
+            <a:ext cx="6709390" cy="369332"/>
           </a:xfrm>
           <a:prstGeom prst="rect">
             <a:avLst/>
@@ -9048,25 +9390,18 @@
           <a:lstStyle/>
           <a:p>
             <a:r>
-              <a:rPr lang="en-US" sz="1200" dirty="0">
-                <a:latin typeface="Arial" pitchFamily="34" charset="0"/>
-                <a:cs typeface="Arial" pitchFamily="34" charset="0"/>
-              </a:rPr>
-              <a:t>Hanna et al - Comparison of culture and molecular techniques for microbial community characterization </a:t>
-            </a:r>
-          </a:p>
-          <a:p>
-            <a:r>
-              <a:rPr lang="en-US" sz="1200" dirty="0">
-                <a:latin typeface="Arial" pitchFamily="34" charset="0"/>
-                <a:cs typeface="Arial" pitchFamily="34" charset="0"/>
-              </a:rPr>
-              <a:t>in infected necrotizing pancreatitis - J. Surgical Research - 2014</a:t>
+              <a:rPr lang="en-US" dirty="0"/>
+              <a:t>http://afodor.github.io/classes/stats2017/compositionalData.pdf</a:t>
             </a:r>
           </a:p>
         </p:txBody>
       </p:sp>
     </p:spTree>
+    <p:extLst>
+      <p:ext uri="{BB962C8B-B14F-4D97-AF65-F5344CB8AC3E}">
+        <p14:creationId xmlns:p14="http://schemas.microsoft.com/office/powerpoint/2010/main" val="2289462210"/>
+      </p:ext>
+    </p:extLst>
   </p:cSld>
   <p:clrMapOvr>
     <a:masterClrMapping/>
@@ -9099,8 +9434,8 @@
         </p:nvSpPr>
         <p:spPr>
           <a:xfrm>
-            <a:off x="304800" y="76200"/>
-            <a:ext cx="8430513" cy="369332"/>
+            <a:off x="1119788" y="304800"/>
+            <a:ext cx="5814412" cy="369332"/>
           </a:xfrm>
           <a:prstGeom prst="rect">
             <a:avLst/>
@@ -9121,14 +9456,14 @@
                 <a:latin typeface="Arial" pitchFamily="34" charset="0"/>
                 <a:cs typeface="Arial" pitchFamily="34" charset="0"/>
               </a:rPr>
-              <a:t>Clearly the sequencing of negative controls should be part of all of our pipelines..</a:t>
+              <a:t>Can we fairly compare high and low biomass samples?</a:t>
             </a:r>
           </a:p>
         </p:txBody>
       </p:sp>
       <p:pic>
         <p:nvPicPr>
-          <p:cNvPr id="2050" name="Picture 2"/>
+          <p:cNvPr id="1026" name="Picture 2"/>
           <p:cNvPicPr>
             <a:picLocks noChangeAspect="1" noChangeArrowheads="1"/>
           </p:cNvPicPr>
@@ -9143,8 +9478,8 @@
         </p:blipFill>
         <p:spPr bwMode="auto">
           <a:xfrm>
-            <a:off x="1066800" y="457200"/>
-            <a:ext cx="7026965" cy="3429000"/>
+            <a:off x="1066800" y="1529988"/>
+            <a:ext cx="3581401" cy="3346812"/>
           </a:xfrm>
           <a:prstGeom prst="rect">
             <a:avLst/>
@@ -9158,9 +9493,41 @@
           </a:ln>
         </p:spPr>
       </p:pic>
+      <p:sp>
+        <p:nvSpPr>
+          <p:cNvPr id="7" name="TextBox 6"/>
+          <p:cNvSpPr txBox="1"/>
+          <p:nvPr/>
+        </p:nvSpPr>
+        <p:spPr>
+          <a:xfrm flipH="1">
+            <a:off x="4876800" y="2971800"/>
+            <a:ext cx="1325881" cy="523220"/>
+          </a:xfrm>
+          <a:prstGeom prst="rect">
+            <a:avLst/>
+          </a:prstGeom>
+          <a:noFill/>
+        </p:spPr>
+        <p:txBody>
+          <a:bodyPr wrap="square" rtlCol="0">
+            <a:spAutoFit/>
+          </a:bodyPr>
+          <a:lstStyle/>
+          <a:p>
+            <a:r>
+              <a:rPr lang="en-US" sz="2800" dirty="0">
+                <a:latin typeface="Arial" pitchFamily="34" charset="0"/>
+                <a:cs typeface="Arial" pitchFamily="34" charset="0"/>
+              </a:rPr>
+              <a:t>VS.</a:t>
+            </a:r>
+          </a:p>
+        </p:txBody>
+      </p:sp>
       <p:pic>
         <p:nvPicPr>
-          <p:cNvPr id="2051" name="Picture 3"/>
+          <p:cNvPr id="9" name="Picture 2"/>
           <p:cNvPicPr>
             <a:picLocks noChangeAspect="1" noChangeArrowheads="1"/>
           </p:cNvPicPr>
@@ -9175,8 +9542,8 @@
         </p:blipFill>
         <p:spPr bwMode="auto">
           <a:xfrm>
-            <a:off x="2286000" y="4343400"/>
-            <a:ext cx="6134100" cy="1781175"/>
+            <a:off x="6303235" y="3124200"/>
+            <a:ext cx="326165" cy="304800"/>
           </a:xfrm>
           <a:prstGeom prst="rect">
             <a:avLst/>
@@ -9217,14 +9584,14 @@
       </p:grpSpPr>
       <p:sp>
         <p:nvSpPr>
-          <p:cNvPr id="9" name="TextBox 8"/>
+          <p:cNvPr id="4" name="TextBox 3"/>
           <p:cNvSpPr txBox="1"/>
           <p:nvPr/>
         </p:nvSpPr>
         <p:spPr>
           <a:xfrm>
-            <a:off x="703168" y="304800"/>
-            <a:ext cx="7297832" cy="369332"/>
+            <a:off x="228600" y="11668"/>
+            <a:ext cx="6429965" cy="369332"/>
           </a:xfrm>
           <a:prstGeom prst="rect">
             <a:avLst/>
@@ -9245,14 +9612,14 @@
                 <a:latin typeface="Arial" pitchFamily="34" charset="0"/>
                 <a:cs typeface="Arial" pitchFamily="34" charset="0"/>
               </a:rPr>
-              <a:t>Can we fairly compare samples with different numbers of sequences?</a:t>
+              <a:t>Low abundance samples are inherently challenging to survey</a:t>
             </a:r>
           </a:p>
         </p:txBody>
       </p:sp>
       <p:pic>
         <p:nvPicPr>
-          <p:cNvPr id="10" name="Picture 2"/>
+          <p:cNvPr id="1026" name="Picture 2"/>
           <p:cNvPicPr>
             <a:picLocks noChangeAspect="1" noChangeArrowheads="1"/>
           </p:cNvPicPr>
@@ -9267,8 +9634,8 @@
         </p:blipFill>
         <p:spPr bwMode="auto">
           <a:xfrm>
-            <a:off x="1066800" y="1529988"/>
-            <a:ext cx="3581401" cy="3346812"/>
+            <a:off x="990600" y="533399"/>
+            <a:ext cx="7848599" cy="5543651"/>
           </a:xfrm>
           <a:prstGeom prst="rect">
             <a:avLst/>
@@ -9282,16 +9649,52 @@
           </a:ln>
         </p:spPr>
       </p:pic>
-      <p:sp>
-        <p:nvSpPr>
-          <p:cNvPr id="11" name="TextBox 10"/>
+      <p:cxnSp>
+        <p:nvCxnSpPr>
+          <p:cNvPr id="7" name="Straight Arrow Connector 6"/>
+          <p:cNvCxnSpPr/>
+          <p:nvPr/>
+        </p:nvCxnSpPr>
+        <p:spPr>
+          <a:xfrm>
+            <a:off x="4191000" y="6096000"/>
+            <a:ext cx="2667000" cy="0"/>
+          </a:xfrm>
+          <a:prstGeom prst="straightConnector1">
+            <a:avLst/>
+          </a:prstGeom>
+          <a:ln w="38100">
+            <a:solidFill>
+              <a:schemeClr val="tx1"/>
+            </a:solidFill>
+            <a:tailEnd type="arrow"/>
+          </a:ln>
+        </p:spPr>
+        <p:style>
+          <a:lnRef idx="1">
+            <a:schemeClr val="accent1"/>
+          </a:lnRef>
+          <a:fillRef idx="0">
+            <a:schemeClr val="accent1"/>
+          </a:fillRef>
+          <a:effectRef idx="0">
+            <a:schemeClr val="accent1"/>
+          </a:effectRef>
+          <a:fontRef idx="minor">
+            <a:schemeClr val="tx1"/>
+          </a:fontRef>
+        </p:style>
+      </p:cxnSp>
+      <p:sp>
+        <p:nvSpPr>
+          <p:cNvPr id="8" name="TextBox 7"/>
           <p:cNvSpPr txBox="1"/>
           <p:nvPr/>
         </p:nvSpPr>
         <p:spPr>
-          <a:xfrm flipH="1">
-            <a:off x="4876800" y="2971800"/>
-            <a:ext cx="1325881" cy="523220"/>
+          <a:xfrm>
+            <a:off x="4865315" y="6096000"/>
+            <a:ext cx="1866217" cy="400110"/>
           </a:xfrm>
           <a:prstGeom prst="rect">
             <a:avLst/>
@@ -9299,53 +9702,64 @@
           <a:noFill/>
         </p:spPr>
         <p:txBody>
-          <a:bodyPr wrap="square" rtlCol="0">
+          <a:bodyPr wrap="none" rtlCol="0">
             <a:spAutoFit/>
           </a:bodyPr>
           <a:lstStyle/>
           <a:p>
             <a:r>
-              <a:rPr lang="en-US" sz="2800" dirty="0">
+              <a:rPr lang="en-US" sz="2000" dirty="0">
+                <a:solidFill>
+                  <a:srgbClr val="FF0000"/>
+                </a:solidFill>
                 <a:latin typeface="Arial" pitchFamily="34" charset="0"/>
                 <a:cs typeface="Arial" pitchFamily="34" charset="0"/>
               </a:rPr>
-              <a:t>VS.</a:t>
-            </a:r>
-          </a:p>
-        </p:txBody>
-      </p:sp>
-      <p:pic>
-        <p:nvPicPr>
-          <p:cNvPr id="12" name="Picture 2"/>
-          <p:cNvPicPr>
-            <a:picLocks noChangeAspect="1" noChangeArrowheads="1"/>
-          </p:cNvPicPr>
-          <p:nvPr/>
-        </p:nvPicPr>
-        <p:blipFill>
-          <a:blip r:embed="rId3" cstate="print"/>
-          <a:srcRect/>
-          <a:stretch>
-            <a:fillRect/>
-          </a:stretch>
-        </p:blipFill>
-        <p:spPr bwMode="auto">
-          <a:xfrm>
-            <a:off x="6303235" y="3124200"/>
-            <a:ext cx="326165" cy="304800"/>
-          </a:xfrm>
-          <a:prstGeom prst="rect">
-            <a:avLst/>
-          </a:prstGeom>
-          <a:noFill/>
-          <a:ln w="9525">
-            <a:noFill/>
-            <a:miter lim="800000"/>
-            <a:headEnd/>
-            <a:tailEnd/>
-          </a:ln>
-        </p:spPr>
-      </p:pic>
+              <a:t>Less abundant</a:t>
+            </a:r>
+          </a:p>
+        </p:txBody>
+      </p:sp>
+      <p:sp>
+        <p:nvSpPr>
+          <p:cNvPr id="9" name="Rectangle 8"/>
+          <p:cNvSpPr/>
+          <p:nvPr/>
+        </p:nvSpPr>
+        <p:spPr>
+          <a:xfrm>
+            <a:off x="457200" y="6396335"/>
+            <a:ext cx="11201400" cy="461665"/>
+          </a:xfrm>
+          <a:prstGeom prst="rect">
+            <a:avLst/>
+          </a:prstGeom>
+        </p:spPr>
+        <p:txBody>
+          <a:bodyPr wrap="square">
+            <a:spAutoFit/>
+          </a:bodyPr>
+          <a:lstStyle/>
+          <a:p>
+            <a:r>
+              <a:rPr lang="en-US" sz="1200" dirty="0">
+                <a:latin typeface="Arial" pitchFamily="34" charset="0"/>
+                <a:cs typeface="Arial" pitchFamily="34" charset="0"/>
+              </a:rPr>
+              <a:t>Hanna et al - Comparison of culture and molecular techniques for microbial community characterization </a:t>
+            </a:r>
+          </a:p>
+          <a:p>
+            <a:r>
+              <a:rPr lang="en-US" sz="1200" dirty="0">
+                <a:latin typeface="Arial" pitchFamily="34" charset="0"/>
+                <a:cs typeface="Arial" pitchFamily="34" charset="0"/>
+              </a:rPr>
+              <a:t>in infected necrotizing pancreatitis - J. Surgical Research - 2014</a:t>
+            </a:r>
+          </a:p>
+        </p:txBody>
+      </p:sp>
     </p:spTree>
   </p:cSld>
   <p:clrMapOvr>
@@ -9373,14 +9787,14 @@
       </p:grpSpPr>
       <p:sp>
         <p:nvSpPr>
-          <p:cNvPr id="2" name="TextBox 1"/>
+          <p:cNvPr id="4" name="TextBox 3"/>
           <p:cNvSpPr txBox="1"/>
           <p:nvPr/>
         </p:nvSpPr>
         <p:spPr>
           <a:xfrm>
-            <a:off x="457200" y="228600"/>
-            <a:ext cx="6955815" cy="369332"/>
+            <a:off x="304800" y="76200"/>
+            <a:ext cx="8430513" cy="369332"/>
           </a:xfrm>
           <a:prstGeom prst="rect">
             <a:avLst/>
@@ -9401,34 +9815,14 @@
                 <a:latin typeface="Arial" pitchFamily="34" charset="0"/>
                 <a:cs typeface="Arial" pitchFamily="34" charset="0"/>
               </a:rPr>
-              <a:t>16S </a:t>
-            </a:r>
-            <a:r>
-              <a:rPr lang="en-US" dirty="0" err="1">
-                <a:solidFill>
-                  <a:srgbClr val="FF0000"/>
-                </a:solidFill>
-                <a:latin typeface="Arial" pitchFamily="34" charset="0"/>
-                <a:cs typeface="Arial" pitchFamily="34" charset="0"/>
-              </a:rPr>
-              <a:t>rRNA</a:t>
-            </a:r>
-            <a:r>
-              <a:rPr lang="en-US" dirty="0">
-                <a:solidFill>
-                  <a:srgbClr val="FF0000"/>
-                </a:solidFill>
-                <a:latin typeface="Arial" pitchFamily="34" charset="0"/>
-                <a:cs typeface="Arial" pitchFamily="34" charset="0"/>
-              </a:rPr>
-              <a:t> experiments are always compositional and often sparse</a:t>
+              <a:t>Clearly the sequencing of negative controls should be part of all of our pipelines..</a:t>
             </a:r>
           </a:p>
         </p:txBody>
       </p:sp>
       <p:pic>
         <p:nvPicPr>
-          <p:cNvPr id="1026" name="Picture 2"/>
+          <p:cNvPr id="2050" name="Picture 2"/>
           <p:cNvPicPr>
             <a:picLocks noChangeAspect="1" noChangeArrowheads="1"/>
           </p:cNvPicPr>
@@ -9443,8 +9837,8 @@
         </p:blipFill>
         <p:spPr bwMode="auto">
           <a:xfrm>
-            <a:off x="609600" y="990600"/>
-            <a:ext cx="8305800" cy="4648200"/>
+            <a:off x="1066800" y="457200"/>
+            <a:ext cx="7026965" cy="3429000"/>
           </a:xfrm>
           <a:prstGeom prst="rect">
             <a:avLst/>
@@ -9458,275 +9852,38 @@
           </a:ln>
         </p:spPr>
       </p:pic>
-      <p:sp>
-        <p:nvSpPr>
-          <p:cNvPr id="4" name="TextBox 3"/>
-          <p:cNvSpPr txBox="1"/>
-          <p:nvPr/>
-        </p:nvSpPr>
-        <p:spPr>
-          <a:xfrm>
-            <a:off x="381000" y="5983069"/>
-            <a:ext cx="8447825" cy="646331"/>
+      <p:pic>
+        <p:nvPicPr>
+          <p:cNvPr id="2051" name="Picture 3"/>
+          <p:cNvPicPr>
+            <a:picLocks noChangeAspect="1" noChangeArrowheads="1"/>
+          </p:cNvPicPr>
+          <p:nvPr/>
+        </p:nvPicPr>
+        <p:blipFill>
+          <a:blip r:embed="rId3" cstate="print"/>
+          <a:srcRect/>
+          <a:stretch>
+            <a:fillRect/>
+          </a:stretch>
+        </p:blipFill>
+        <p:spPr bwMode="auto">
+          <a:xfrm>
+            <a:off x="2286000" y="4343400"/>
+            <a:ext cx="6134100" cy="1781175"/>
           </a:xfrm>
           <a:prstGeom prst="rect">
             <a:avLst/>
           </a:prstGeom>
           <a:noFill/>
-        </p:spPr>
-        <p:txBody>
-          <a:bodyPr wrap="none" rtlCol="0">
-            <a:spAutoFit/>
-          </a:bodyPr>
-          <a:lstStyle/>
-          <a:p>
-            <a:r>
-              <a:rPr lang="en-US" dirty="0">
-                <a:solidFill>
-                  <a:srgbClr val="FF0000"/>
-                </a:solidFill>
-                <a:latin typeface="Arial" pitchFamily="34" charset="0"/>
-                <a:cs typeface="Arial" pitchFamily="34" charset="0"/>
-              </a:rPr>
-              <a:t>Compositional</a:t>
-            </a:r>
-            <a:r>
-              <a:rPr lang="en-US" dirty="0">
-                <a:latin typeface="Arial" pitchFamily="34" charset="0"/>
-                <a:cs typeface="Arial" pitchFamily="34" charset="0"/>
-              </a:rPr>
-              <a:t> – because different samples have different numbers of sequences</a:t>
-            </a:r>
-          </a:p>
-          <a:p>
-            <a:r>
-              <a:rPr lang="en-US" dirty="0">
-                <a:solidFill>
-                  <a:srgbClr val="FF0000"/>
-                </a:solidFill>
-                <a:latin typeface="Arial" pitchFamily="34" charset="0"/>
-                <a:cs typeface="Arial" pitchFamily="34" charset="0"/>
-              </a:rPr>
-              <a:t>Sparse</a:t>
-            </a:r>
-            <a:r>
-              <a:rPr lang="en-US" dirty="0">
-                <a:latin typeface="Arial" pitchFamily="34" charset="0"/>
-                <a:cs typeface="Arial" pitchFamily="34" charset="0"/>
-              </a:rPr>
-              <a:t> – because there are many zeros in the spreadsheet</a:t>
-            </a:r>
-          </a:p>
-        </p:txBody>
-      </p:sp>
-      <p:sp>
-        <p:nvSpPr>
-          <p:cNvPr id="5" name="TextBox 4"/>
-          <p:cNvSpPr txBox="1"/>
-          <p:nvPr/>
-        </p:nvSpPr>
-        <p:spPr>
-          <a:xfrm>
-            <a:off x="228600" y="1295400"/>
-            <a:ext cx="381836" cy="2031325"/>
-          </a:xfrm>
-          <a:prstGeom prst="rect">
-            <a:avLst/>
-          </a:prstGeom>
-          <a:noFill/>
-        </p:spPr>
-        <p:txBody>
-          <a:bodyPr wrap="none" rtlCol="0">
-            <a:spAutoFit/>
-          </a:bodyPr>
-          <a:lstStyle/>
-          <a:p>
-            <a:r>
-              <a:rPr lang="en-US" dirty="0">
-                <a:solidFill>
-                  <a:srgbClr val="FF0000"/>
-                </a:solidFill>
-                <a:latin typeface="Arial" pitchFamily="34" charset="0"/>
-                <a:cs typeface="Arial" pitchFamily="34" charset="0"/>
-              </a:rPr>
-              <a:t>S</a:t>
-            </a:r>
-          </a:p>
-          <a:p>
-            <a:r>
-              <a:rPr lang="en-US" dirty="0">
-                <a:solidFill>
-                  <a:srgbClr val="FF0000"/>
-                </a:solidFill>
-                <a:latin typeface="Arial" pitchFamily="34" charset="0"/>
-                <a:cs typeface="Arial" pitchFamily="34" charset="0"/>
-              </a:rPr>
-              <a:t>A</a:t>
-            </a:r>
-          </a:p>
-          <a:p>
-            <a:r>
-              <a:rPr lang="en-US" dirty="0">
-                <a:solidFill>
-                  <a:srgbClr val="FF0000"/>
-                </a:solidFill>
-                <a:latin typeface="Arial" pitchFamily="34" charset="0"/>
-                <a:cs typeface="Arial" pitchFamily="34" charset="0"/>
-              </a:rPr>
-              <a:t>M</a:t>
-            </a:r>
-          </a:p>
-          <a:p>
-            <a:r>
-              <a:rPr lang="en-US" dirty="0">
-                <a:solidFill>
-                  <a:srgbClr val="FF0000"/>
-                </a:solidFill>
-                <a:latin typeface="Arial" pitchFamily="34" charset="0"/>
-                <a:cs typeface="Arial" pitchFamily="34" charset="0"/>
-              </a:rPr>
-              <a:t>P</a:t>
-            </a:r>
-          </a:p>
-          <a:p>
-            <a:r>
-              <a:rPr lang="en-US" dirty="0">
-                <a:solidFill>
-                  <a:srgbClr val="FF0000"/>
-                </a:solidFill>
-                <a:latin typeface="Arial" pitchFamily="34" charset="0"/>
-                <a:cs typeface="Arial" pitchFamily="34" charset="0"/>
-              </a:rPr>
-              <a:t>L</a:t>
-            </a:r>
-          </a:p>
-          <a:p>
-            <a:r>
-              <a:rPr lang="en-US" dirty="0">
-                <a:solidFill>
-                  <a:srgbClr val="FF0000"/>
-                </a:solidFill>
-                <a:latin typeface="Arial" pitchFamily="34" charset="0"/>
-                <a:cs typeface="Arial" pitchFamily="34" charset="0"/>
-              </a:rPr>
-              <a:t>E</a:t>
-            </a:r>
-          </a:p>
-          <a:p>
-            <a:r>
-              <a:rPr lang="en-US" dirty="0">
-                <a:solidFill>
-                  <a:srgbClr val="FF0000"/>
-                </a:solidFill>
-                <a:latin typeface="Arial" pitchFamily="34" charset="0"/>
-                <a:cs typeface="Arial" pitchFamily="34" charset="0"/>
-              </a:rPr>
-              <a:t>S</a:t>
-            </a:r>
-          </a:p>
-        </p:txBody>
-      </p:sp>
-      <p:sp>
-        <p:nvSpPr>
-          <p:cNvPr id="6" name="TextBox 5"/>
-          <p:cNvSpPr txBox="1"/>
-          <p:nvPr/>
-        </p:nvSpPr>
-        <p:spPr>
-          <a:xfrm>
-            <a:off x="990600" y="609600"/>
-            <a:ext cx="787395" cy="369332"/>
-          </a:xfrm>
-          <a:prstGeom prst="rect">
-            <a:avLst/>
-          </a:prstGeom>
-          <a:noFill/>
-        </p:spPr>
-        <p:txBody>
-          <a:bodyPr wrap="none" rtlCol="0">
-            <a:spAutoFit/>
-          </a:bodyPr>
-          <a:lstStyle/>
-          <a:p>
-            <a:r>
-              <a:rPr lang="en-US" dirty="0">
-                <a:solidFill>
-                  <a:srgbClr val="FF0000"/>
-                </a:solidFill>
-                <a:latin typeface="Arial" pitchFamily="34" charset="0"/>
-                <a:cs typeface="Arial" pitchFamily="34" charset="0"/>
-              </a:rPr>
-              <a:t>OTUs</a:t>
-            </a:r>
-          </a:p>
-        </p:txBody>
-      </p:sp>
-      <p:cxnSp>
-        <p:nvCxnSpPr>
-          <p:cNvPr id="10" name="Straight Arrow Connector 9"/>
-          <p:cNvCxnSpPr/>
-          <p:nvPr/>
-        </p:nvCxnSpPr>
-        <p:spPr>
-          <a:xfrm>
-            <a:off x="1905000" y="762000"/>
-            <a:ext cx="6934200" cy="0"/>
-          </a:xfrm>
-          <a:prstGeom prst="straightConnector1">
-            <a:avLst/>
-          </a:prstGeom>
-          <a:ln>
-            <a:tailEnd type="arrow"/>
+          <a:ln w="9525">
+            <a:noFill/>
+            <a:miter lim="800000"/>
+            <a:headEnd/>
+            <a:tailEnd/>
           </a:ln>
         </p:spPr>
-        <p:style>
-          <a:lnRef idx="1">
-            <a:schemeClr val="accent1"/>
-          </a:lnRef>
-          <a:fillRef idx="0">
-            <a:schemeClr val="accent1"/>
-          </a:fillRef>
-          <a:effectRef idx="0">
-            <a:schemeClr val="accent1"/>
-          </a:effectRef>
-          <a:fontRef idx="minor">
-            <a:schemeClr val="tx1"/>
-          </a:fontRef>
-        </p:style>
-      </p:cxnSp>
-      <p:cxnSp>
-        <p:nvCxnSpPr>
-          <p:cNvPr id="15" name="Straight Arrow Connector 14"/>
-          <p:cNvCxnSpPr/>
-          <p:nvPr/>
-        </p:nvCxnSpPr>
-        <p:spPr>
-          <a:xfrm>
-            <a:off x="457200" y="3429000"/>
-            <a:ext cx="0" cy="2209800"/>
-          </a:xfrm>
-          <a:prstGeom prst="straightConnector1">
-            <a:avLst/>
-          </a:prstGeom>
-          <a:ln>
-            <a:tailEnd type="arrow"/>
-          </a:ln>
-        </p:spPr>
-        <p:style>
-          <a:lnRef idx="1">
-            <a:schemeClr val="accent1"/>
-          </a:lnRef>
-          <a:fillRef idx="0">
-            <a:schemeClr val="accent1"/>
-          </a:fillRef>
-          <a:effectRef idx="0">
-            <a:schemeClr val="accent1"/>
-          </a:effectRef>
-          <a:fontRef idx="minor">
-            <a:schemeClr val="tx1"/>
-          </a:fontRef>
-        </p:style>
-      </p:cxnSp>
+      </p:pic>
     </p:spTree>
   </p:cSld>
   <p:clrMapOvr>
@@ -9754,14 +9911,14 @@
       </p:grpSpPr>
       <p:sp>
         <p:nvSpPr>
-          <p:cNvPr id="2" name="TextBox 1"/>
+          <p:cNvPr id="9" name="TextBox 8"/>
           <p:cNvSpPr txBox="1"/>
           <p:nvPr/>
         </p:nvSpPr>
         <p:spPr>
           <a:xfrm>
-            <a:off x="457200" y="152400"/>
-            <a:ext cx="8238153" cy="369332"/>
+            <a:off x="703168" y="304800"/>
+            <a:ext cx="7297832" cy="369332"/>
           </a:xfrm>
           <a:prstGeom prst="rect">
             <a:avLst/>
@@ -9776,17 +9933,20 @@
           <a:p>
             <a:r>
               <a:rPr lang="en-US" dirty="0">
+                <a:solidFill>
+                  <a:srgbClr val="FF0000"/>
+                </a:solidFill>
                 <a:latin typeface="Arial" pitchFamily="34" charset="0"/>
                 <a:cs typeface="Arial" pitchFamily="34" charset="0"/>
               </a:rPr>
-              <a:t>Compositionality is a well-studied problem in statistics, but remains challenging</a:t>
+              <a:t>Can we fairly compare samples with different numbers of sequences?</a:t>
             </a:r>
           </a:p>
         </p:txBody>
       </p:sp>
       <p:pic>
         <p:nvPicPr>
-          <p:cNvPr id="3074" name="Picture 2"/>
+          <p:cNvPr id="10" name="Picture 2"/>
           <p:cNvPicPr>
             <a:picLocks noChangeAspect="1" noChangeArrowheads="1"/>
           </p:cNvPicPr>
@@ -9801,8 +9961,72 @@
         </p:blipFill>
         <p:spPr bwMode="auto">
           <a:xfrm>
-            <a:off x="2209800" y="762000"/>
-            <a:ext cx="3990975" cy="5486400"/>
+            <a:off x="1066800" y="1529988"/>
+            <a:ext cx="3581401" cy="3346812"/>
+          </a:xfrm>
+          <a:prstGeom prst="rect">
+            <a:avLst/>
+          </a:prstGeom>
+          <a:noFill/>
+          <a:ln w="9525">
+            <a:noFill/>
+            <a:miter lim="800000"/>
+            <a:headEnd/>
+            <a:tailEnd/>
+          </a:ln>
+        </p:spPr>
+      </p:pic>
+      <p:sp>
+        <p:nvSpPr>
+          <p:cNvPr id="11" name="TextBox 10"/>
+          <p:cNvSpPr txBox="1"/>
+          <p:nvPr/>
+        </p:nvSpPr>
+        <p:spPr>
+          <a:xfrm flipH="1">
+            <a:off x="4876800" y="2971800"/>
+            <a:ext cx="1325881" cy="523220"/>
+          </a:xfrm>
+          <a:prstGeom prst="rect">
+            <a:avLst/>
+          </a:prstGeom>
+          <a:noFill/>
+        </p:spPr>
+        <p:txBody>
+          <a:bodyPr wrap="square" rtlCol="0">
+            <a:spAutoFit/>
+          </a:bodyPr>
+          <a:lstStyle/>
+          <a:p>
+            <a:r>
+              <a:rPr lang="en-US" sz="2800" dirty="0">
+                <a:latin typeface="Arial" pitchFamily="34" charset="0"/>
+                <a:cs typeface="Arial" pitchFamily="34" charset="0"/>
+              </a:rPr>
+              <a:t>VS.</a:t>
+            </a:r>
+          </a:p>
+        </p:txBody>
+      </p:sp>
+      <p:pic>
+        <p:nvPicPr>
+          <p:cNvPr id="12" name="Picture 2"/>
+          <p:cNvPicPr>
+            <a:picLocks noChangeAspect="1" noChangeArrowheads="1"/>
+          </p:cNvPicPr>
+          <p:nvPr/>
+        </p:nvPicPr>
+        <p:blipFill>
+          <a:blip r:embed="rId3" cstate="print"/>
+          <a:srcRect/>
+          <a:stretch>
+            <a:fillRect/>
+          </a:stretch>
+        </p:blipFill>
+        <p:spPr bwMode="auto">
+          <a:xfrm>
+            <a:off x="6303235" y="3124200"/>
+            <a:ext cx="326165" cy="304800"/>
           </a:xfrm>
           <a:prstGeom prst="rect">
             <a:avLst/>
@@ -9843,14 +10067,14 @@
       </p:grpSpPr>
       <p:sp>
         <p:nvSpPr>
-          <p:cNvPr id="3" name="TextBox 2"/>
+          <p:cNvPr id="2" name="TextBox 1"/>
           <p:cNvSpPr txBox="1"/>
           <p:nvPr/>
         </p:nvSpPr>
         <p:spPr>
           <a:xfrm>
-            <a:off x="304800" y="81677"/>
-            <a:ext cx="7467600" cy="369332"/>
+            <a:off x="457200" y="228600"/>
+            <a:ext cx="6955815" cy="369332"/>
           </a:xfrm>
           <a:prstGeom prst="rect">
             <a:avLst/>
@@ -9858,7 +10082,7 @@
           <a:noFill/>
         </p:spPr>
         <p:txBody>
-          <a:bodyPr wrap="square" rtlCol="0">
+          <a:bodyPr wrap="none" rtlCol="0">
             <a:spAutoFit/>
           </a:bodyPr>
           <a:lstStyle/>
@@ -9871,14 +10095,34 @@
                 <a:latin typeface="Arial" pitchFamily="34" charset="0"/>
                 <a:cs typeface="Arial" pitchFamily="34" charset="0"/>
               </a:rPr>
-              <a:t>Compositionality can introduce subtle artifacts into our dataset</a:t>
+              <a:t>16S </a:t>
+            </a:r>
+            <a:r>
+              <a:rPr lang="en-US" dirty="0" err="1">
+                <a:solidFill>
+                  <a:srgbClr val="FF0000"/>
+                </a:solidFill>
+                <a:latin typeface="Arial" pitchFamily="34" charset="0"/>
+                <a:cs typeface="Arial" pitchFamily="34" charset="0"/>
+              </a:rPr>
+              <a:t>rRNA</a:t>
+            </a:r>
+            <a:r>
+              <a:rPr lang="en-US" dirty="0">
+                <a:solidFill>
+                  <a:srgbClr val="FF0000"/>
+                </a:solidFill>
+                <a:latin typeface="Arial" pitchFamily="34" charset="0"/>
+                <a:cs typeface="Arial" pitchFamily="34" charset="0"/>
+              </a:rPr>
+              <a:t> experiments are always compositional and often sparse</a:t>
             </a:r>
           </a:p>
         </p:txBody>
       </p:sp>
       <p:pic>
         <p:nvPicPr>
-          <p:cNvPr id="4098" name="Picture 2"/>
+          <p:cNvPr id="1026" name="Picture 2"/>
           <p:cNvPicPr>
             <a:picLocks noChangeAspect="1" noChangeArrowheads="1"/>
           </p:cNvPicPr>
@@ -9893,8 +10137,8 @@
         </p:blipFill>
         <p:spPr bwMode="auto">
           <a:xfrm>
-            <a:off x="2438400" y="609600"/>
-            <a:ext cx="2945642" cy="762000"/>
+            <a:off x="609600" y="990600"/>
+            <a:ext cx="8305800" cy="4648200"/>
           </a:xfrm>
           <a:prstGeom prst="rect">
             <a:avLst/>
@@ -9908,16 +10152,219 @@
           </a:ln>
         </p:spPr>
       </p:pic>
+      <p:sp>
+        <p:nvSpPr>
+          <p:cNvPr id="4" name="TextBox 3"/>
+          <p:cNvSpPr txBox="1"/>
+          <p:nvPr/>
+        </p:nvSpPr>
+        <p:spPr>
+          <a:xfrm>
+            <a:off x="381000" y="5983069"/>
+            <a:ext cx="8447825" cy="646331"/>
+          </a:xfrm>
+          <a:prstGeom prst="rect">
+            <a:avLst/>
+          </a:prstGeom>
+          <a:noFill/>
+        </p:spPr>
+        <p:txBody>
+          <a:bodyPr wrap="none" rtlCol="0">
+            <a:spAutoFit/>
+          </a:bodyPr>
+          <a:lstStyle/>
+          <a:p>
+            <a:r>
+              <a:rPr lang="en-US" dirty="0">
+                <a:solidFill>
+                  <a:srgbClr val="FF0000"/>
+                </a:solidFill>
+                <a:latin typeface="Arial" pitchFamily="34" charset="0"/>
+                <a:cs typeface="Arial" pitchFamily="34" charset="0"/>
+              </a:rPr>
+              <a:t>Compositional</a:t>
+            </a:r>
+            <a:r>
+              <a:rPr lang="en-US" dirty="0">
+                <a:latin typeface="Arial" pitchFamily="34" charset="0"/>
+                <a:cs typeface="Arial" pitchFamily="34" charset="0"/>
+              </a:rPr>
+              <a:t> – because different samples have different numbers of sequences</a:t>
+            </a:r>
+          </a:p>
+          <a:p>
+            <a:r>
+              <a:rPr lang="en-US" dirty="0">
+                <a:solidFill>
+                  <a:srgbClr val="FF0000"/>
+                </a:solidFill>
+                <a:latin typeface="Arial" pitchFamily="34" charset="0"/>
+                <a:cs typeface="Arial" pitchFamily="34" charset="0"/>
+              </a:rPr>
+              <a:t>Sparse</a:t>
+            </a:r>
+            <a:r>
+              <a:rPr lang="en-US" dirty="0">
+                <a:latin typeface="Arial" pitchFamily="34" charset="0"/>
+                <a:cs typeface="Arial" pitchFamily="34" charset="0"/>
+              </a:rPr>
+              <a:t> – because there are many zeros in the spreadsheet</a:t>
+            </a:r>
+          </a:p>
+        </p:txBody>
+      </p:sp>
+      <p:sp>
+        <p:nvSpPr>
+          <p:cNvPr id="5" name="TextBox 4"/>
+          <p:cNvSpPr txBox="1"/>
+          <p:nvPr/>
+        </p:nvSpPr>
+        <p:spPr>
+          <a:xfrm>
+            <a:off x="228600" y="1295400"/>
+            <a:ext cx="381836" cy="2031325"/>
+          </a:xfrm>
+          <a:prstGeom prst="rect">
+            <a:avLst/>
+          </a:prstGeom>
+          <a:noFill/>
+        </p:spPr>
+        <p:txBody>
+          <a:bodyPr wrap="none" rtlCol="0">
+            <a:spAutoFit/>
+          </a:bodyPr>
+          <a:lstStyle/>
+          <a:p>
+            <a:r>
+              <a:rPr lang="en-US" dirty="0">
+                <a:solidFill>
+                  <a:srgbClr val="FF0000"/>
+                </a:solidFill>
+                <a:latin typeface="Arial" pitchFamily="34" charset="0"/>
+                <a:cs typeface="Arial" pitchFamily="34" charset="0"/>
+              </a:rPr>
+              <a:t>S</a:t>
+            </a:r>
+          </a:p>
+          <a:p>
+            <a:r>
+              <a:rPr lang="en-US" dirty="0">
+                <a:solidFill>
+                  <a:srgbClr val="FF0000"/>
+                </a:solidFill>
+                <a:latin typeface="Arial" pitchFamily="34" charset="0"/>
+                <a:cs typeface="Arial" pitchFamily="34" charset="0"/>
+              </a:rPr>
+              <a:t>A</a:t>
+            </a:r>
+          </a:p>
+          <a:p>
+            <a:r>
+              <a:rPr lang="en-US" dirty="0">
+                <a:solidFill>
+                  <a:srgbClr val="FF0000"/>
+                </a:solidFill>
+                <a:latin typeface="Arial" pitchFamily="34" charset="0"/>
+                <a:cs typeface="Arial" pitchFamily="34" charset="0"/>
+              </a:rPr>
+              <a:t>M</a:t>
+            </a:r>
+          </a:p>
+          <a:p>
+            <a:r>
+              <a:rPr lang="en-US" dirty="0">
+                <a:solidFill>
+                  <a:srgbClr val="FF0000"/>
+                </a:solidFill>
+                <a:latin typeface="Arial" pitchFamily="34" charset="0"/>
+                <a:cs typeface="Arial" pitchFamily="34" charset="0"/>
+              </a:rPr>
+              <a:t>P</a:t>
+            </a:r>
+          </a:p>
+          <a:p>
+            <a:r>
+              <a:rPr lang="en-US" dirty="0">
+                <a:solidFill>
+                  <a:srgbClr val="FF0000"/>
+                </a:solidFill>
+                <a:latin typeface="Arial" pitchFamily="34" charset="0"/>
+                <a:cs typeface="Arial" pitchFamily="34" charset="0"/>
+              </a:rPr>
+              <a:t>L</a:t>
+            </a:r>
+          </a:p>
+          <a:p>
+            <a:r>
+              <a:rPr lang="en-US" dirty="0">
+                <a:solidFill>
+                  <a:srgbClr val="FF0000"/>
+                </a:solidFill>
+                <a:latin typeface="Arial" pitchFamily="34" charset="0"/>
+                <a:cs typeface="Arial" pitchFamily="34" charset="0"/>
+              </a:rPr>
+              <a:t>E</a:t>
+            </a:r>
+          </a:p>
+          <a:p>
+            <a:r>
+              <a:rPr lang="en-US" dirty="0">
+                <a:solidFill>
+                  <a:srgbClr val="FF0000"/>
+                </a:solidFill>
+                <a:latin typeface="Arial" pitchFamily="34" charset="0"/>
+                <a:cs typeface="Arial" pitchFamily="34" charset="0"/>
+              </a:rPr>
+              <a:t>S</a:t>
+            </a:r>
+          </a:p>
+        </p:txBody>
+      </p:sp>
+      <p:sp>
+        <p:nvSpPr>
+          <p:cNvPr id="6" name="TextBox 5"/>
+          <p:cNvSpPr txBox="1"/>
+          <p:nvPr/>
+        </p:nvSpPr>
+        <p:spPr>
+          <a:xfrm>
+            <a:off x="990600" y="609600"/>
+            <a:ext cx="787395" cy="369332"/>
+          </a:xfrm>
+          <a:prstGeom prst="rect">
+            <a:avLst/>
+          </a:prstGeom>
+          <a:noFill/>
+        </p:spPr>
+        <p:txBody>
+          <a:bodyPr wrap="none" rtlCol="0">
+            <a:spAutoFit/>
+          </a:bodyPr>
+          <a:lstStyle/>
+          <a:p>
+            <a:r>
+              <a:rPr lang="en-US" dirty="0">
+                <a:solidFill>
+                  <a:srgbClr val="FF0000"/>
+                </a:solidFill>
+                <a:latin typeface="Arial" pitchFamily="34" charset="0"/>
+                <a:cs typeface="Arial" pitchFamily="34" charset="0"/>
+              </a:rPr>
+              <a:t>OTUs</a:t>
+            </a:r>
+          </a:p>
+        </p:txBody>
+      </p:sp>
       <p:cxnSp>
         <p:nvCxnSpPr>
-          <p:cNvPr id="12" name="Straight Arrow Connector 11"/>
+          <p:cNvPr id="10" name="Straight Arrow Connector 9"/>
           <p:cNvCxnSpPr/>
           <p:nvPr/>
         </p:nvCxnSpPr>
         <p:spPr>
           <a:xfrm>
-            <a:off x="3733800" y="1447800"/>
-            <a:ext cx="0" cy="457200"/>
+            <a:off x="1905000" y="762000"/>
+            <a:ext cx="6934200" cy="0"/>
           </a:xfrm>
           <a:prstGeom prst="straightConnector1">
             <a:avLst/>
@@ -9941,226 +10388,39 @@
           </a:fontRef>
         </p:style>
       </p:cxnSp>
-      <p:sp>
-        <p:nvSpPr>
-          <p:cNvPr id="13" name="TextBox 12"/>
-          <p:cNvSpPr txBox="1"/>
-          <p:nvPr/>
-        </p:nvSpPr>
-        <p:spPr>
-          <a:xfrm>
-            <a:off x="3733800" y="1447800"/>
-            <a:ext cx="2026132" cy="369332"/>
-          </a:xfrm>
-          <a:prstGeom prst="rect">
-            <a:avLst/>
-          </a:prstGeom>
-          <a:noFill/>
-        </p:spPr>
-        <p:txBody>
-          <a:bodyPr wrap="none" rtlCol="0">
-            <a:spAutoFit/>
-          </a:bodyPr>
-          <a:lstStyle/>
-          <a:p>
-            <a:r>
-              <a:rPr lang="en-US" dirty="0"/>
-              <a:t>Relative abundance</a:t>
-            </a:r>
-          </a:p>
-        </p:txBody>
-      </p:sp>
-      <p:pic>
-        <p:nvPicPr>
-          <p:cNvPr id="4099" name="Picture 3"/>
-          <p:cNvPicPr>
-            <a:picLocks noChangeAspect="1" noChangeArrowheads="1"/>
-          </p:cNvPicPr>
-          <p:nvPr/>
-        </p:nvPicPr>
-        <p:blipFill>
-          <a:blip r:embed="rId3" cstate="print"/>
-          <a:srcRect/>
-          <a:stretch>
-            <a:fillRect/>
-          </a:stretch>
-        </p:blipFill>
-        <p:spPr bwMode="auto">
-          <a:xfrm>
-            <a:off x="2264465" y="1981200"/>
-            <a:ext cx="3374335" cy="1066800"/>
-          </a:xfrm>
-          <a:prstGeom prst="rect">
-            <a:avLst/>
-          </a:prstGeom>
-          <a:noFill/>
-          <a:ln w="9525">
-            <a:noFill/>
-            <a:miter lim="800000"/>
-            <a:headEnd/>
-            <a:tailEnd/>
+      <p:cxnSp>
+        <p:nvCxnSpPr>
+          <p:cNvPr id="15" name="Straight Arrow Connector 14"/>
+          <p:cNvCxnSpPr/>
+          <p:nvPr/>
+        </p:nvCxnSpPr>
+        <p:spPr>
+          <a:xfrm>
+            <a:off x="457200" y="3429000"/>
+            <a:ext cx="0" cy="2209800"/>
+          </a:xfrm>
+          <a:prstGeom prst="straightConnector1">
+            <a:avLst/>
+          </a:prstGeom>
+          <a:ln>
+            <a:tailEnd type="arrow"/>
           </a:ln>
         </p:spPr>
-      </p:pic>
-      <p:sp>
-        <p:nvSpPr>
-          <p:cNvPr id="15" name="TextBox 14"/>
-          <p:cNvSpPr txBox="1"/>
-          <p:nvPr/>
-        </p:nvSpPr>
-        <p:spPr>
-          <a:xfrm>
-            <a:off x="685800" y="3088481"/>
-            <a:ext cx="7481600" cy="3693319"/>
-          </a:xfrm>
-          <a:prstGeom prst="rect">
-            <a:avLst/>
-          </a:prstGeom>
-          <a:noFill/>
-        </p:spPr>
-        <p:txBody>
-          <a:bodyPr wrap="none" rtlCol="0">
-            <a:spAutoFit/>
-          </a:bodyPr>
-          <a:lstStyle/>
-          <a:p>
-            <a:r>
-              <a:rPr lang="en-US" dirty="0">
-                <a:latin typeface="Arial" pitchFamily="34" charset="0"/>
-                <a:cs typeface="Arial" pitchFamily="34" charset="0"/>
-              </a:rPr>
-              <a:t>Problems include:</a:t>
-            </a:r>
-          </a:p>
-          <a:p>
-            <a:r>
-              <a:rPr lang="en-US" dirty="0">
-                <a:latin typeface="Arial" pitchFamily="34" charset="0"/>
-                <a:cs typeface="Arial" pitchFamily="34" charset="0"/>
-              </a:rPr>
-              <a:t>	Inference may report a change in A and B even though</a:t>
-            </a:r>
-          </a:p>
-          <a:p>
-            <a:r>
-              <a:rPr lang="en-US" dirty="0">
-                <a:latin typeface="Arial" pitchFamily="34" charset="0"/>
-                <a:cs typeface="Arial" pitchFamily="34" charset="0"/>
-              </a:rPr>
-              <a:t>	biologically A and B have not changed.</a:t>
-            </a:r>
-          </a:p>
-          <a:p>
-            <a:endParaRPr lang="en-US" dirty="0">
-              <a:latin typeface="Arial" pitchFamily="34" charset="0"/>
-              <a:cs typeface="Arial" pitchFamily="34" charset="0"/>
-            </a:endParaRPr>
-          </a:p>
-          <a:p>
-            <a:r>
-              <a:rPr lang="en-US" dirty="0">
-                <a:latin typeface="Arial" pitchFamily="34" charset="0"/>
-                <a:cs typeface="Arial" pitchFamily="34" charset="0"/>
-              </a:rPr>
-              <a:t>	The estimate of A and B is dependent on C.  If C is </a:t>
-            </a:r>
-          </a:p>
-          <a:p>
-            <a:r>
-              <a:rPr lang="en-US" dirty="0">
-                <a:latin typeface="Arial" pitchFamily="34" charset="0"/>
-                <a:cs typeface="Arial" pitchFamily="34" charset="0"/>
-              </a:rPr>
-              <a:t>	contaminant (or </a:t>
-            </a:r>
-            <a:r>
-              <a:rPr lang="en-US" dirty="0" err="1">
-                <a:latin typeface="Arial" pitchFamily="34" charset="0"/>
-                <a:cs typeface="Arial" pitchFamily="34" charset="0"/>
-              </a:rPr>
-              <a:t>rRNA</a:t>
-            </a:r>
-            <a:r>
-              <a:rPr lang="en-US" dirty="0">
-                <a:latin typeface="Arial" pitchFamily="34" charset="0"/>
-                <a:cs typeface="Arial" pitchFamily="34" charset="0"/>
-              </a:rPr>
-              <a:t> in a RNA-</a:t>
-            </a:r>
-            <a:r>
-              <a:rPr lang="en-US" dirty="0" err="1">
-                <a:latin typeface="Arial" pitchFamily="34" charset="0"/>
-                <a:cs typeface="Arial" pitchFamily="34" charset="0"/>
-              </a:rPr>
-              <a:t>seq</a:t>
-            </a:r>
-            <a:r>
-              <a:rPr lang="en-US" dirty="0">
-                <a:latin typeface="Arial" pitchFamily="34" charset="0"/>
-                <a:cs typeface="Arial" pitchFamily="34" charset="0"/>
-              </a:rPr>
-              <a:t> experiment), the values of</a:t>
-            </a:r>
-          </a:p>
-          <a:p>
-            <a:r>
-              <a:rPr lang="en-US" dirty="0">
-                <a:latin typeface="Arial" pitchFamily="34" charset="0"/>
-                <a:cs typeface="Arial" pitchFamily="34" charset="0"/>
-              </a:rPr>
-              <a:t>	A and B might not be appropriate.</a:t>
-            </a:r>
-          </a:p>
-          <a:p>
-            <a:endParaRPr lang="en-US" dirty="0">
-              <a:latin typeface="Arial" pitchFamily="34" charset="0"/>
-              <a:cs typeface="Arial" pitchFamily="34" charset="0"/>
-            </a:endParaRPr>
-          </a:p>
-          <a:p>
-            <a:r>
-              <a:rPr lang="en-US" dirty="0">
-                <a:latin typeface="Arial" pitchFamily="34" charset="0"/>
-                <a:cs typeface="Arial" pitchFamily="34" charset="0"/>
-              </a:rPr>
-              <a:t>	A and B will appear correlated, but this is a statistical artifact.</a:t>
-            </a:r>
-          </a:p>
-          <a:p>
-            <a:endParaRPr lang="en-US" dirty="0">
-              <a:latin typeface="Arial" pitchFamily="34" charset="0"/>
-              <a:cs typeface="Arial" pitchFamily="34" charset="0"/>
-            </a:endParaRPr>
-          </a:p>
-          <a:p>
-            <a:r>
-              <a:rPr lang="en-US" dirty="0">
-                <a:latin typeface="Arial" pitchFamily="34" charset="0"/>
-                <a:cs typeface="Arial" pitchFamily="34" charset="0"/>
-              </a:rPr>
-              <a:t>	</a:t>
-            </a:r>
-          </a:p>
-          <a:p>
-            <a:r>
-              <a:rPr lang="en-US" dirty="0">
-                <a:latin typeface="Arial" pitchFamily="34" charset="0"/>
-                <a:cs typeface="Arial" pitchFamily="34" charset="0"/>
-              </a:rPr>
-              <a:t>	</a:t>
-            </a:r>
-          </a:p>
-          <a:p>
-            <a:r>
-              <a:rPr lang="en-US" dirty="0">
-                <a:latin typeface="Arial" pitchFamily="34" charset="0"/>
-                <a:cs typeface="Arial" pitchFamily="34" charset="0"/>
-              </a:rPr>
-              <a:t>	</a:t>
-            </a:r>
-          </a:p>
-        </p:txBody>
-      </p:sp>
+        <p:style>
+          <a:lnRef idx="1">
+            <a:schemeClr val="accent1"/>
+          </a:lnRef>
+          <a:fillRef idx="0">
+            <a:schemeClr val="accent1"/>
+          </a:fillRef>
+          <a:effectRef idx="0">
+            <a:schemeClr val="accent1"/>
+          </a:effectRef>
+          <a:fontRef idx="minor">
+            <a:schemeClr val="tx1"/>
+          </a:fontRef>
+        </p:style>
+      </p:cxnSp>
     </p:spTree>
   </p:cSld>
   <p:clrMapOvr>
@@ -10194,8 +10454,8 @@
         </p:nvSpPr>
         <p:spPr>
           <a:xfrm>
-            <a:off x="304800" y="11668"/>
-            <a:ext cx="3125023" cy="369332"/>
+            <a:off x="457200" y="152400"/>
+            <a:ext cx="8238153" cy="369332"/>
           </a:xfrm>
           <a:prstGeom prst="rect">
             <a:avLst/>
@@ -10209,156 +10469,48 @@
           <a:lstStyle/>
           <a:p>
             <a:r>
-              <a:rPr lang="en-US" dirty="0"/>
-              <a:t>Consider a simulated data set…</a:t>
+              <a:rPr lang="en-US" dirty="0">
+                <a:latin typeface="Arial" pitchFamily="34" charset="0"/>
+                <a:cs typeface="Arial" pitchFamily="34" charset="0"/>
+              </a:rPr>
+              <a:t>Compositionality is a well-studied problem in statistics, but remains challenging</a:t>
             </a:r>
           </a:p>
         </p:txBody>
       </p:sp>
       <p:pic>
         <p:nvPicPr>
-          <p:cNvPr id="3" name="Picture 2"/>
+          <p:cNvPr id="3074" name="Picture 2"/>
           <p:cNvPicPr>
-            <a:picLocks noChangeAspect="1"/>
+            <a:picLocks noChangeAspect="1" noChangeArrowheads="1"/>
           </p:cNvPicPr>
           <p:nvPr/>
         </p:nvPicPr>
         <p:blipFill>
-          <a:blip r:embed="rId2"/>
+          <a:blip r:embed="rId2" cstate="print"/>
+          <a:srcRect/>
           <a:stretch>
             <a:fillRect/>
           </a:stretch>
         </p:blipFill>
-        <p:spPr>
-          <a:xfrm>
-            <a:off x="228600" y="762000"/>
-            <a:ext cx="5329625" cy="4419600"/>
-          </a:xfrm>
-          <a:prstGeom prst="rect">
-            <a:avLst/>
-          </a:prstGeom>
+        <p:spPr bwMode="auto">
+          <a:xfrm>
+            <a:off x="2209800" y="762000"/>
+            <a:ext cx="3990975" cy="5486400"/>
+          </a:xfrm>
+          <a:prstGeom prst="rect">
+            <a:avLst/>
+          </a:prstGeom>
+          <a:noFill/>
+          <a:ln w="9525">
+            <a:noFill/>
+            <a:miter lim="800000"/>
+            <a:headEnd/>
+            <a:tailEnd/>
+          </a:ln>
         </p:spPr>
       </p:pic>
-      <p:cxnSp>
-        <p:nvCxnSpPr>
-          <p:cNvPr id="5" name="Straight Arrow Connector 4"/>
-          <p:cNvCxnSpPr/>
-          <p:nvPr/>
-        </p:nvCxnSpPr>
-        <p:spPr>
-          <a:xfrm flipH="1">
-            <a:off x="2133600" y="2133600"/>
-            <a:ext cx="1447800" cy="0"/>
-          </a:xfrm>
-          <a:prstGeom prst="straightConnector1">
-            <a:avLst/>
-          </a:prstGeom>
-          <a:ln>
-            <a:tailEnd type="triangle"/>
-          </a:ln>
-        </p:spPr>
-        <p:style>
-          <a:lnRef idx="1">
-            <a:schemeClr val="accent1"/>
-          </a:lnRef>
-          <a:fillRef idx="0">
-            <a:schemeClr val="accent1"/>
-          </a:fillRef>
-          <a:effectRef idx="0">
-            <a:schemeClr val="accent1"/>
-          </a:effectRef>
-          <a:fontRef idx="minor">
-            <a:schemeClr val="tx1"/>
-          </a:fontRef>
-        </p:style>
-      </p:cxnSp>
-      <p:sp>
-        <p:nvSpPr>
-          <p:cNvPr id="6" name="TextBox 5"/>
-          <p:cNvSpPr txBox="1"/>
-          <p:nvPr/>
-        </p:nvSpPr>
-        <p:spPr>
-          <a:xfrm>
-            <a:off x="3572588" y="1981200"/>
-            <a:ext cx="3209212" cy="369332"/>
-          </a:xfrm>
-          <a:prstGeom prst="rect">
-            <a:avLst/>
-          </a:prstGeom>
-          <a:noFill/>
-        </p:spPr>
-        <p:txBody>
-          <a:bodyPr wrap="none" rtlCol="0">
-            <a:spAutoFit/>
-          </a:bodyPr>
-          <a:lstStyle/>
-          <a:p>
-            <a:r>
-              <a:rPr lang="en-US" dirty="0"/>
-              <a:t>Clearly A and B are independent</a:t>
-            </a:r>
-          </a:p>
-        </p:txBody>
-      </p:sp>
-      <p:pic>
-        <p:nvPicPr>
-          <p:cNvPr id="7" name="Picture 6"/>
-          <p:cNvPicPr>
-            <a:picLocks noChangeAspect="1"/>
-          </p:cNvPicPr>
-          <p:nvPr/>
-        </p:nvPicPr>
-        <p:blipFill>
-          <a:blip r:embed="rId3"/>
-          <a:stretch>
-            <a:fillRect/>
-          </a:stretch>
-        </p:blipFill>
-        <p:spPr>
-          <a:xfrm>
-            <a:off x="5334000" y="2667000"/>
-            <a:ext cx="3398729" cy="3083354"/>
-          </a:xfrm>
-          <a:prstGeom prst="rect">
-            <a:avLst/>
-          </a:prstGeom>
-        </p:spPr>
-      </p:pic>
-      <p:sp>
-        <p:nvSpPr>
-          <p:cNvPr id="8" name="Rectangle 7"/>
-          <p:cNvSpPr/>
-          <p:nvPr/>
-        </p:nvSpPr>
-        <p:spPr>
-          <a:xfrm>
-            <a:off x="381000" y="6260812"/>
-            <a:ext cx="10896600" cy="292388"/>
-          </a:xfrm>
-          <a:prstGeom prst="rect">
-            <a:avLst/>
-          </a:prstGeom>
-        </p:spPr>
-        <p:txBody>
-          <a:bodyPr wrap="square">
-            <a:spAutoFit/>
-          </a:bodyPr>
-          <a:lstStyle/>
-          <a:p>
-            <a:r>
-              <a:rPr lang="en-US" sz="1300" dirty="0"/>
-              <a:t>https://github.com/afodor/metagenomicsTools/blob/master/src/compositionality/compositionality.txt</a:t>
-            </a:r>
-          </a:p>
-        </p:txBody>
-      </p:sp>
     </p:spTree>
-    <p:extLst>
-      <p:ext uri="{BB962C8B-B14F-4D97-AF65-F5344CB8AC3E}">
-        <p14:creationId xmlns:p14="http://schemas.microsoft.com/office/powerpoint/2010/main" val="901354799"/>
-      </p:ext>
-    </p:extLst>
   </p:cSld>
   <p:clrMapOvr>
     <a:masterClrMapping/>
